--- a/assets/award.pptx
+++ b/assets/award.pptx
@@ -5,9 +5,12 @@
     <p:sldMasterId id="2147483684" r:id="rId1"/>
   </p:sldMasterIdLst>
   <p:sldIdLst>
-    <p:sldId id="257" r:id="rId2"/>
-    <p:sldId id="256" r:id="rId3"/>
-    <p:sldId id="258" r:id="rId4"/>
+    <p:sldId id="259" r:id="rId2"/>
+    <p:sldId id="261" r:id="rId3"/>
+    <p:sldId id="260" r:id="rId4"/>
+    <p:sldId id="257" r:id="rId5"/>
+    <p:sldId id="256" r:id="rId6"/>
+    <p:sldId id="258" r:id="rId7"/>
   </p:sldIdLst>
   <p:sldSz cx="8280400" cy="11520488"/>
   <p:notesSz cx="6858000" cy="9144000"/>
@@ -106,6 +109,11 @@
       </a:defRPr>
     </a:lvl9pPr>
   </p:defaultTextStyle>
+  <p:extLst>
+    <p:ext uri="{EFAFB233-063F-42B5-8137-9DF3F51BA10A}">
+      <p15:sldGuideLst xmlns:p15="http://schemas.microsoft.com/office/powerpoint/2012/main"/>
+    </p:ext>
+  </p:extLst>
 </p:presentation>
 </file>
 
@@ -240,7 +248,7 @@
           <a:p>
             <a:fld id="{F9263978-E7D1-4F97-819C-F328BF5E52A9}" type="datetimeFigureOut">
               <a:rPr lang="ru-RU" smtClean="0"/>
-              <a:t>10.11.2016</a:t>
+              <a:t>11.11.2016</a:t>
             </a:fld>
             <a:endParaRPr lang="ru-RU"/>
           </a:p>
@@ -410,7 +418,7 @@
           <a:p>
             <a:fld id="{F9263978-E7D1-4F97-819C-F328BF5E52A9}" type="datetimeFigureOut">
               <a:rPr lang="ru-RU" smtClean="0"/>
-              <a:t>10.11.2016</a:t>
+              <a:t>11.11.2016</a:t>
             </a:fld>
             <a:endParaRPr lang="ru-RU"/>
           </a:p>
@@ -590,7 +598,7 @@
           <a:p>
             <a:fld id="{F9263978-E7D1-4F97-819C-F328BF5E52A9}" type="datetimeFigureOut">
               <a:rPr lang="ru-RU" smtClean="0"/>
-              <a:t>10.11.2016</a:t>
+              <a:t>11.11.2016</a:t>
             </a:fld>
             <a:endParaRPr lang="ru-RU"/>
           </a:p>
@@ -760,7 +768,7 @@
           <a:p>
             <a:fld id="{F9263978-E7D1-4F97-819C-F328BF5E52A9}" type="datetimeFigureOut">
               <a:rPr lang="ru-RU" smtClean="0"/>
-              <a:t>10.11.2016</a:t>
+              <a:t>11.11.2016</a:t>
             </a:fld>
             <a:endParaRPr lang="ru-RU"/>
           </a:p>
@@ -1004,7 +1012,7 @@
           <a:p>
             <a:fld id="{F9263978-E7D1-4F97-819C-F328BF5E52A9}" type="datetimeFigureOut">
               <a:rPr lang="ru-RU" smtClean="0"/>
-              <a:t>10.11.2016</a:t>
+              <a:t>11.11.2016</a:t>
             </a:fld>
             <a:endParaRPr lang="ru-RU"/>
           </a:p>
@@ -1236,7 +1244,7 @@
           <a:p>
             <a:fld id="{F9263978-E7D1-4F97-819C-F328BF5E52A9}" type="datetimeFigureOut">
               <a:rPr lang="ru-RU" smtClean="0"/>
-              <a:t>10.11.2016</a:t>
+              <a:t>11.11.2016</a:t>
             </a:fld>
             <a:endParaRPr lang="ru-RU"/>
           </a:p>
@@ -1603,7 +1611,7 @@
           <a:p>
             <a:fld id="{F9263978-E7D1-4F97-819C-F328BF5E52A9}" type="datetimeFigureOut">
               <a:rPr lang="ru-RU" smtClean="0"/>
-              <a:t>10.11.2016</a:t>
+              <a:t>11.11.2016</a:t>
             </a:fld>
             <a:endParaRPr lang="ru-RU"/>
           </a:p>
@@ -1721,7 +1729,7 @@
           <a:p>
             <a:fld id="{F9263978-E7D1-4F97-819C-F328BF5E52A9}" type="datetimeFigureOut">
               <a:rPr lang="ru-RU" smtClean="0"/>
-              <a:t>10.11.2016</a:t>
+              <a:t>11.11.2016</a:t>
             </a:fld>
             <a:endParaRPr lang="ru-RU"/>
           </a:p>
@@ -1816,7 +1824,7 @@
           <a:p>
             <a:fld id="{F9263978-E7D1-4F97-819C-F328BF5E52A9}" type="datetimeFigureOut">
               <a:rPr lang="ru-RU" smtClean="0"/>
-              <a:t>10.11.2016</a:t>
+              <a:t>11.11.2016</a:t>
             </a:fld>
             <a:endParaRPr lang="ru-RU"/>
           </a:p>
@@ -2093,7 +2101,7 @@
           <a:p>
             <a:fld id="{F9263978-E7D1-4F97-819C-F328BF5E52A9}" type="datetimeFigureOut">
               <a:rPr lang="ru-RU" smtClean="0"/>
-              <a:t>10.11.2016</a:t>
+              <a:t>11.11.2016</a:t>
             </a:fld>
             <a:endParaRPr lang="ru-RU"/>
           </a:p>
@@ -2350,7 +2358,7 @@
           <a:p>
             <a:fld id="{F9263978-E7D1-4F97-819C-F328BF5E52A9}" type="datetimeFigureOut">
               <a:rPr lang="ru-RU" smtClean="0"/>
-              <a:t>10.11.2016</a:t>
+              <a:t>11.11.2016</a:t>
             </a:fld>
             <a:endParaRPr lang="ru-RU"/>
           </a:p>
@@ -2563,7 +2571,7 @@
           <a:p>
             <a:fld id="{F9263978-E7D1-4F97-819C-F328BF5E52A9}" type="datetimeFigureOut">
               <a:rPr lang="ru-RU" smtClean="0"/>
-              <a:t>10.11.2016</a:t>
+              <a:t>11.11.2016</a:t>
             </a:fld>
             <a:endParaRPr lang="ru-RU"/>
           </a:p>
@@ -2968,9 +2976,437 @@
           <a:chExt cx="0" cy="0"/>
         </a:xfrm>
       </p:grpSpPr>
+      <p:sp>
+        <p:nvSpPr>
+          <p:cNvPr id="4" name="TextBox 3"/>
+          <p:cNvSpPr txBox="1"/>
+          <p:nvPr/>
+        </p:nvSpPr>
+        <p:spPr>
+          <a:xfrm flipH="1">
+            <a:off x="944621" y="1131376"/>
+            <a:ext cx="5006728" cy="3724096"/>
+          </a:xfrm>
+          <a:prstGeom prst="rect">
+            <a:avLst/>
+          </a:prstGeom>
+          <a:noFill/>
+        </p:spPr>
+        <p:txBody>
+          <a:bodyPr wrap="square" rtlCol="0">
+            <a:spAutoFit/>
+          </a:bodyPr>
+          <a:lstStyle/>
+          <a:p>
+            <a:r>
+              <a:rPr lang="ru-RU" sz="1400" dirty="0"/>
+              <a:t>Пробно гравируется </a:t>
+            </a:r>
+            <a:r>
+              <a:rPr lang="ru-RU" sz="1400" u="sng" dirty="0"/>
+              <a:t>только памятный знак </a:t>
+            </a:r>
+            <a:r>
+              <a:rPr lang="ru-RU" sz="1400" dirty="0"/>
+              <a:t>(медаль) на малой зеленой </a:t>
+            </a:r>
+            <a:r>
+              <a:rPr lang="ru-RU" sz="1400" dirty="0" err="1"/>
+              <a:t>планкетке</a:t>
+            </a:r>
+            <a:r>
+              <a:rPr lang="ru-RU" sz="1400" dirty="0"/>
+              <a:t>, пропорции на след. странице</a:t>
+            </a:r>
+            <a:endParaRPr lang="en-US" sz="1400" dirty="0"/>
+          </a:p>
+          <a:p>
+            <a:endParaRPr lang="en-US" sz="1400" dirty="0"/>
+          </a:p>
+          <a:p>
+            <a:r>
+              <a:rPr lang="ru-RU" sz="1100" dirty="0"/>
+              <a:t> Предварительно пришлите </a:t>
+            </a:r>
+            <a:r>
+              <a:rPr lang="ru-RU" sz="1100" dirty="0" err="1"/>
+              <a:t>пож</a:t>
+            </a:r>
+            <a:r>
+              <a:rPr lang="ru-RU" sz="1100" dirty="0"/>
+              <a:t> посмотреть дизайн на </a:t>
+            </a:r>
+            <a:r>
+              <a:rPr lang="en-US" sz="1100" dirty="0">
+                <a:hlinkClick r:id="rId2"/>
+              </a:rPr>
+              <a:t>mbl.acc4@gmail.com</a:t>
+            </a:r>
+            <a:r>
+              <a:rPr lang="en-US" sz="1100" dirty="0"/>
+              <a:t> </a:t>
+            </a:r>
+            <a:r>
+              <a:rPr lang="ru-RU" sz="1100" dirty="0"/>
+              <a:t>или </a:t>
+            </a:r>
+            <a:r>
+              <a:rPr lang="en-US" sz="1100" dirty="0" err="1"/>
+              <a:t>whatsapp</a:t>
+            </a:r>
+            <a:r>
+              <a:rPr lang="en-US" sz="1100" dirty="0"/>
+              <a:t> +79266068702</a:t>
+            </a:r>
+          </a:p>
+          <a:p>
+            <a:endParaRPr lang="en-US" sz="1400" dirty="0"/>
+          </a:p>
+          <a:p>
+            <a:endParaRPr lang="en-US" sz="1400" dirty="0"/>
+          </a:p>
+          <a:p>
+            <a:r>
+              <a:rPr lang="ru-RU" sz="1400" dirty="0"/>
+              <a:t>Вместо надписи «Им нужны великие потрясения – нам нужна Великая Россия» - надпись «НАЦИОНАЛЬНАЯ ПРЕМИЯ …..» заглавными, шрифт – как на медали</a:t>
+            </a:r>
+          </a:p>
+          <a:p>
+            <a:r>
+              <a:rPr lang="ru-RU" sz="1400" dirty="0"/>
+              <a:t>Подписи Столыпина – нет, «Выставка, посвященная ..» - нет.  контур </a:t>
+            </a:r>
+            <a:r>
+              <a:rPr lang="ru-RU" sz="1400" dirty="0" err="1"/>
+              <a:t>россии</a:t>
+            </a:r>
+            <a:r>
+              <a:rPr lang="ru-RU" sz="1400" dirty="0"/>
+              <a:t> – БОЛЕЕ четкий</a:t>
+            </a:r>
+          </a:p>
+          <a:p>
+            <a:r>
+              <a:rPr lang="ru-RU" sz="1400" dirty="0"/>
+              <a:t>Вместо Санкт-Петербург – Москва </a:t>
+            </a:r>
+            <a:r>
+              <a:rPr lang="ru-RU" dirty="0"/>
+              <a:t>по кругу </a:t>
+            </a:r>
+            <a:r>
+              <a:rPr lang="ru-RU" sz="1400" dirty="0"/>
+              <a:t>таким же шрифтом.</a:t>
+            </a:r>
+            <a:r>
+              <a:rPr lang="en-US" sz="1400" dirty="0"/>
+              <a:t>  </a:t>
+            </a:r>
+            <a:r>
+              <a:rPr lang="ru-RU" sz="1400" dirty="0"/>
+              <a:t>В помощь - </a:t>
+            </a:r>
+            <a:r>
+              <a:rPr lang="en-US" sz="1400" dirty="0">
+                <a:hlinkClick r:id="rId3"/>
+              </a:rPr>
+              <a:t>http://www.gosprize.ru/assets/stol.jpg</a:t>
+            </a:r>
+            <a:endParaRPr lang="ru-RU" sz="1400" dirty="0"/>
+          </a:p>
+          <a:p>
+            <a:endParaRPr lang="ru-RU" sz="1400" dirty="0"/>
+          </a:p>
+          <a:p>
+            <a:endParaRPr lang="ru-RU" sz="1400" dirty="0"/>
+          </a:p>
+          <a:p>
+            <a:endParaRPr lang="ru-RU" sz="1400" dirty="0"/>
+          </a:p>
+        </p:txBody>
+      </p:sp>
       <p:pic>
         <p:nvPicPr>
-          <p:cNvPr id="1028" name="Picture 4" descr="http://www.ekaterinburg.arbitr.ru/sites/ekaterinburg.arbitr.ru/files/images/DSC_3032.JPG"/>
+          <p:cNvPr id="5" name="Рисунок 4" descr="medal"/>
+          <p:cNvPicPr>
+            <a:picLocks noGrp="1" noChangeAspect="1"/>
+          </p:cNvPicPr>
+          <p:nvPr isPhoto="1"/>
+        </p:nvPicPr>
+        <p:blipFill>
+          <a:blip r:embed="rId4">
+            <a:lum/>
+            <a:extLst>
+              <a:ext uri="{28A0092B-C50C-407E-A947-70E740481C1C}">
+                <a14:useLocalDpi xmlns:a14="http://schemas.microsoft.com/office/drawing/2010/main" val="0"/>
+              </a:ext>
+            </a:extLst>
+          </a:blip>
+          <a:stretch>
+            <a:fillRect/>
+          </a:stretch>
+        </p:blipFill>
+        <p:spPr>
+          <a:xfrm>
+            <a:off x="1165412" y="5177146"/>
+            <a:ext cx="1712407" cy="1712407"/>
+          </a:xfrm>
+          <a:prstGeom prst="rect">
+            <a:avLst/>
+          </a:prstGeom>
+        </p:spPr>
+      </p:pic>
+      <p:sp>
+        <p:nvSpPr>
+          <p:cNvPr id="24" name="TextBox 23"/>
+          <p:cNvSpPr txBox="1"/>
+          <p:nvPr/>
+        </p:nvSpPr>
+        <p:spPr>
+          <a:xfrm>
+            <a:off x="1256440" y="6033349"/>
+            <a:ext cx="1530350" cy="276999"/>
+          </a:xfrm>
+          <a:prstGeom prst="rect">
+            <a:avLst/>
+          </a:prstGeom>
+          <a:solidFill>
+            <a:schemeClr val="accent4">
+              <a:lumMod val="60000"/>
+              <a:lumOff val="40000"/>
+              <a:alpha val="63000"/>
+            </a:schemeClr>
+          </a:solidFill>
+        </p:spPr>
+        <p:txBody>
+          <a:bodyPr wrap="square" lIns="0" tIns="0" rIns="0" rtlCol="0">
+            <a:spAutoFit/>
+          </a:bodyPr>
+          <a:lstStyle/>
+          <a:p>
+            <a:pPr algn="ctr"/>
+            <a:r>
+              <a:rPr lang="ru-RU" sz="500" b="1" dirty="0">
+                <a:solidFill>
+                  <a:schemeClr val="accent4">
+                    <a:lumMod val="50000"/>
+                  </a:schemeClr>
+                </a:solidFill>
+                <a:latin typeface="Times New Roman" panose="02020603050405020304" pitchFamily="18" charset="0"/>
+                <a:cs typeface="Times New Roman" panose="02020603050405020304" pitchFamily="18" charset="0"/>
+              </a:rPr>
+              <a:t>НАЦИОНАЛЬНАЯ ПРЕМИЯ</a:t>
+            </a:r>
+          </a:p>
+          <a:p>
+            <a:pPr algn="ctr"/>
+            <a:r>
+              <a:rPr lang="ru-RU" sz="500" b="1" dirty="0">
+                <a:solidFill>
+                  <a:schemeClr val="accent4">
+                    <a:lumMod val="50000"/>
+                  </a:schemeClr>
+                </a:solidFill>
+                <a:latin typeface="Times New Roman" panose="02020603050405020304" pitchFamily="18" charset="0"/>
+                <a:cs typeface="Times New Roman" panose="02020603050405020304" pitchFamily="18" charset="0"/>
+              </a:rPr>
+              <a:t>ПО УПРАВЛЕНИЮ</a:t>
+            </a:r>
+          </a:p>
+          <a:p>
+            <a:pPr algn="ctr"/>
+            <a:r>
+              <a:rPr lang="ru-RU" sz="500" b="1" dirty="0">
+                <a:solidFill>
+                  <a:schemeClr val="accent4">
+                    <a:lumMod val="50000"/>
+                  </a:schemeClr>
+                </a:solidFill>
+                <a:latin typeface="Times New Roman" panose="02020603050405020304" pitchFamily="18" charset="0"/>
+                <a:cs typeface="Times New Roman" panose="02020603050405020304" pitchFamily="18" charset="0"/>
+              </a:rPr>
+              <a:t>ГОСУДАРСТВЕННОЙ СОБСТВЕННОСТЬЮ</a:t>
+            </a:r>
+            <a:endParaRPr lang="ru-RU" sz="700" b="1" dirty="0">
+              <a:solidFill>
+                <a:schemeClr val="accent4">
+                  <a:lumMod val="50000"/>
+                </a:schemeClr>
+              </a:solidFill>
+              <a:latin typeface="Times New Roman" panose="02020603050405020304" pitchFamily="18" charset="0"/>
+              <a:cs typeface="Times New Roman" panose="02020603050405020304" pitchFamily="18" charset="0"/>
+            </a:endParaRPr>
+          </a:p>
+        </p:txBody>
+      </p:sp>
+      <p:sp>
+        <p:nvSpPr>
+          <p:cNvPr id="28" name="TextBox 27"/>
+          <p:cNvSpPr txBox="1"/>
+          <p:nvPr/>
+        </p:nvSpPr>
+        <p:spPr>
+          <a:xfrm>
+            <a:off x="1256440" y="6694742"/>
+            <a:ext cx="1530350" cy="123111"/>
+          </a:xfrm>
+          <a:prstGeom prst="rect">
+            <a:avLst/>
+          </a:prstGeom>
+          <a:solidFill>
+            <a:schemeClr val="accent4">
+              <a:lumMod val="60000"/>
+              <a:lumOff val="40000"/>
+              <a:alpha val="63000"/>
+            </a:schemeClr>
+          </a:solidFill>
+        </p:spPr>
+        <p:txBody>
+          <a:bodyPr wrap="square" lIns="0" tIns="0" rIns="0" rtlCol="0">
+            <a:spAutoFit/>
+          </a:bodyPr>
+          <a:lstStyle/>
+          <a:p>
+            <a:pPr algn="ctr"/>
+            <a:r>
+              <a:rPr lang="ru-RU" sz="500" b="1" dirty="0">
+                <a:solidFill>
+                  <a:schemeClr val="accent4">
+                    <a:lumMod val="50000"/>
+                  </a:schemeClr>
+                </a:solidFill>
+                <a:latin typeface="Times New Roman" panose="02020603050405020304" pitchFamily="18" charset="0"/>
+                <a:cs typeface="Times New Roman" panose="02020603050405020304" pitchFamily="18" charset="0"/>
+              </a:rPr>
+              <a:t>МОСКВА</a:t>
+            </a:r>
+            <a:endParaRPr lang="ru-RU" sz="700" b="1" dirty="0">
+              <a:solidFill>
+                <a:schemeClr val="accent4">
+                  <a:lumMod val="50000"/>
+                </a:schemeClr>
+              </a:solidFill>
+              <a:latin typeface="Times New Roman" panose="02020603050405020304" pitchFamily="18" charset="0"/>
+              <a:cs typeface="Times New Roman" panose="02020603050405020304" pitchFamily="18" charset="0"/>
+            </a:endParaRPr>
+          </a:p>
+        </p:txBody>
+      </p:sp>
+      <p:sp>
+        <p:nvSpPr>
+          <p:cNvPr id="29" name="TextBox 28"/>
+          <p:cNvSpPr txBox="1"/>
+          <p:nvPr/>
+        </p:nvSpPr>
+        <p:spPr>
+          <a:xfrm>
+            <a:off x="1588974" y="6472562"/>
+            <a:ext cx="865281" cy="153888"/>
+          </a:xfrm>
+          <a:prstGeom prst="rect">
+            <a:avLst/>
+          </a:prstGeom>
+          <a:solidFill>
+            <a:schemeClr val="accent4">
+              <a:lumMod val="60000"/>
+              <a:lumOff val="40000"/>
+            </a:schemeClr>
+          </a:solidFill>
+        </p:spPr>
+        <p:txBody>
+          <a:bodyPr wrap="square" lIns="0" tIns="0" rIns="0" rtlCol="0">
+            <a:spAutoFit/>
+          </a:bodyPr>
+          <a:lstStyle/>
+          <a:p>
+            <a:pPr algn="ctr"/>
+            <a:endParaRPr lang="ru-RU" sz="700" b="1" dirty="0">
+              <a:solidFill>
+                <a:schemeClr val="accent4">
+                  <a:lumMod val="60000"/>
+                  <a:lumOff val="40000"/>
+                </a:schemeClr>
+              </a:solidFill>
+              <a:latin typeface="Times New Roman" panose="02020603050405020304" pitchFamily="18" charset="0"/>
+              <a:cs typeface="Times New Roman" panose="02020603050405020304" pitchFamily="18" charset="0"/>
+            </a:endParaRPr>
+          </a:p>
+        </p:txBody>
+      </p:sp>
+    </p:spTree>
+    <p:extLst>
+      <p:ext uri="{BB962C8B-B14F-4D97-AF65-F5344CB8AC3E}">
+        <p14:creationId xmlns:p14="http://schemas.microsoft.com/office/powerpoint/2010/main" val="734773412"/>
+      </p:ext>
+    </p:extLst>
+  </p:cSld>
+  <p:clrMapOvr>
+    <a:masterClrMapping/>
+  </p:clrMapOvr>
+</p:sld>
+</file>
+
+<file path=ppt/slides/slide2.xml><?xml version="1.0" encoding="utf-8"?>
+<p:sld xmlns:a="http://schemas.openxmlformats.org/drawingml/2006/main" xmlns:r="http://schemas.openxmlformats.org/officeDocument/2006/relationships" xmlns:p="http://schemas.openxmlformats.org/presentationml/2006/main">
+  <p:cSld>
+    <p:spTree>
+      <p:nvGrpSpPr>
+        <p:cNvPr id="1" name=""/>
+        <p:cNvGrpSpPr/>
+        <p:nvPr/>
+      </p:nvGrpSpPr>
+      <p:grpSpPr>
+        <a:xfrm>
+          <a:off x="0" y="0"/>
+          <a:ext cx="0" cy="0"/>
+          <a:chOff x="0" y="0"/>
+          <a:chExt cx="0" cy="0"/>
+        </a:xfrm>
+      </p:grpSpPr>
+      <p:pic>
+        <p:nvPicPr>
+          <p:cNvPr id="1026" name="Picture 2" descr="http://www.dialcon.ru/components/com_virtuemart/shop_image/product/PL143____________55aca4e390408.gif"/>
+          <p:cNvPicPr>
+            <a:picLocks noChangeAspect="1" noChangeArrowheads="1"/>
+          </p:cNvPicPr>
+          <p:nvPr/>
+        </p:nvPicPr>
+        <p:blipFill>
+          <a:blip r:embed="rId2">
+            <a:extLst>
+              <a:ext uri="{28A0092B-C50C-407E-A947-70E740481C1C}">
+                <a14:useLocalDpi xmlns:a14="http://schemas.microsoft.com/office/drawing/2010/main" val="0"/>
+              </a:ext>
+            </a:extLst>
+          </a:blip>
+          <a:srcRect/>
+          <a:stretch>
+            <a:fillRect/>
+          </a:stretch>
+        </p:blipFill>
+        <p:spPr bwMode="auto">
+          <a:xfrm>
+            <a:off x="-79815" y="1371180"/>
+            <a:ext cx="8329795" cy="11106393"/>
+          </a:xfrm>
+          <a:prstGeom prst="rect">
+            <a:avLst/>
+          </a:prstGeom>
+          <a:noFill/>
+          <a:extLst>
+            <a:ext uri="{909E8E84-426E-40DD-AFC4-6F175D3DCCD1}">
+              <a14:hiddenFill xmlns:a14="http://schemas.microsoft.com/office/drawing/2010/main">
+                <a:solidFill>
+                  <a:srgbClr val="FFFFFF"/>
+                </a:solidFill>
+              </a14:hiddenFill>
+            </a:ext>
+          </a:extLst>
+        </p:spPr>
+      </p:pic>
+      <p:pic>
+        <p:nvPicPr>
+          <p:cNvPr id="14" name="Picture 2" descr="http://www.dialcon.ru/components/com_virtuemart/shop_image/product/PL143____________55aca4e390408.gif"/>
           <p:cNvPicPr>
             <a:picLocks noChangeAspect="1" noChangeArrowheads="1"/>
           </p:cNvPicPr>
@@ -2984,13 +3420,13 @@
               </a:ext>
             </a:extLst>
           </a:blip>
-          <a:srcRect l="33181" t="45869" r="27117"/>
+          <a:srcRect l="17676" t="56729" r="57838" b="32597"/>
           <a:stretch/>
         </p:blipFill>
         <p:spPr bwMode="auto">
           <a:xfrm>
-            <a:off x="630461" y="5315918"/>
-            <a:ext cx="6715736" cy="6061667"/>
+            <a:off x="1410344" y="3188508"/>
+            <a:ext cx="5517396" cy="7471736"/>
           </a:xfrm>
           <a:prstGeom prst="rect">
             <a:avLst/>
@@ -3016,7 +3452,7 @@
         <p:spPr>
           <a:xfrm flipH="1">
             <a:off x="944621" y="1131376"/>
-            <a:ext cx="5006728" cy="2308324"/>
+            <a:ext cx="5006728" cy="1200329"/>
           </a:xfrm>
           <a:prstGeom prst="rect">
             <a:avLst/>
@@ -3031,56 +3467,170 @@
           <a:p>
             <a:r>
               <a:rPr lang="ru-RU" dirty="0"/>
-              <a:t>4 памятных знака (диаметр – 6 см или </a:t>
+              <a:t>Пробно гравируется только памятный знак (медаль) на малой зеленой </a:t>
             </a:r>
             <a:r>
               <a:rPr lang="ru-RU" dirty="0" err="1"/>
-              <a:t>ближ</a:t>
+              <a:t>планкетке</a:t>
             </a:r>
             <a:r>
               <a:rPr lang="ru-RU" dirty="0"/>
-              <a:t>. Стандартный)</a:t>
-            </a:r>
-          </a:p>
-          <a:p>
-            <a:r>
-              <a:rPr lang="ru-RU" dirty="0"/>
-              <a:t>4 диплома лауреата</a:t>
-            </a:r>
-          </a:p>
-          <a:p>
-            <a:r>
-              <a:rPr lang="ru-RU" dirty="0"/>
-              <a:t>18 дипломов Номинантов</a:t>
-            </a:r>
-          </a:p>
-          <a:p>
-            <a:r>
-              <a:rPr lang="ru-RU" dirty="0"/>
-              <a:t>Размеры – 23 на 32 или </a:t>
-            </a:r>
-            <a:r>
-              <a:rPr lang="ru-RU" dirty="0" err="1"/>
-              <a:t>ближ</a:t>
-            </a:r>
-            <a:r>
-              <a:rPr lang="ru-RU" dirty="0"/>
-              <a:t>. стандартный </a:t>
-            </a:r>
-          </a:p>
-          <a:p>
-            <a:r>
-              <a:rPr lang="ru-RU" dirty="0"/>
-              <a:t>Дизайн требуется разработать</a:t>
+              <a:t>.</a:t>
             </a:r>
           </a:p>
           <a:p>
             <a:endParaRPr lang="ru-RU" dirty="0"/>
           </a:p>
           <a:p>
-            <a:r>
-              <a:rPr lang="ru-RU" dirty="0"/>
-              <a:t>Готовность – среда, 16.11.2016</a:t>
+            <a:endParaRPr lang="ru-RU" dirty="0"/>
+          </a:p>
+        </p:txBody>
+      </p:sp>
+      <p:pic>
+        <p:nvPicPr>
+          <p:cNvPr id="5" name="Рисунок 4" descr="medal"/>
+          <p:cNvPicPr>
+            <a:picLocks noGrp="1" noChangeAspect="1"/>
+          </p:cNvPicPr>
+          <p:nvPr isPhoto="1"/>
+        </p:nvPicPr>
+        <p:blipFill>
+          <a:blip r:embed="rId3">
+            <a:lum/>
+            <a:extLst>
+              <a:ext uri="{28A0092B-C50C-407E-A947-70E740481C1C}">
+                <a14:useLocalDpi xmlns:a14="http://schemas.microsoft.com/office/drawing/2010/main" val="0"/>
+              </a:ext>
+            </a:extLst>
+          </a:blip>
+          <a:stretch>
+            <a:fillRect/>
+          </a:stretch>
+        </p:blipFill>
+        <p:spPr>
+          <a:xfrm>
+            <a:off x="3354892" y="3825866"/>
+            <a:ext cx="1712407" cy="1712407"/>
+          </a:xfrm>
+          <a:prstGeom prst="rect">
+            <a:avLst/>
+          </a:prstGeom>
+        </p:spPr>
+      </p:pic>
+      <p:sp>
+        <p:nvSpPr>
+          <p:cNvPr id="22" name="TextBox 21"/>
+          <p:cNvSpPr txBox="1"/>
+          <p:nvPr/>
+        </p:nvSpPr>
+        <p:spPr>
+          <a:xfrm>
+            <a:off x="1912509" y="8721724"/>
+            <a:ext cx="4712572" cy="584775"/>
+          </a:xfrm>
+          <a:prstGeom prst="rect">
+            <a:avLst/>
+          </a:prstGeom>
+          <a:noFill/>
+        </p:spPr>
+        <p:txBody>
+          <a:bodyPr wrap="none" rtlCol="0">
+            <a:spAutoFit/>
+          </a:bodyPr>
+          <a:lstStyle/>
+          <a:p>
+            <a:pPr algn="ctr"/>
+            <a:r>
+              <a:rPr lang="ru-RU" sz="3200" b="1" i="1" dirty="0">
+                <a:solidFill>
+                  <a:schemeClr val="accent4">
+                    <a:lumMod val="40000"/>
+                    <a:lumOff val="60000"/>
+                  </a:schemeClr>
+                </a:solidFill>
+              </a:rPr>
+              <a:t>Иванову </a:t>
+            </a:r>
+            <a:r>
+              <a:rPr lang="ru-RU" sz="3200" b="1" i="1" dirty="0" err="1">
+                <a:solidFill>
+                  <a:schemeClr val="accent4">
+                    <a:lumMod val="40000"/>
+                    <a:lumOff val="60000"/>
+                  </a:schemeClr>
+                </a:solidFill>
+              </a:rPr>
+              <a:t>Ивну</a:t>
+            </a:r>
+            <a:r>
+              <a:rPr lang="ru-RU" sz="3200" b="1" i="1" dirty="0">
+                <a:solidFill>
+                  <a:schemeClr val="accent4">
+                    <a:lumMod val="40000"/>
+                    <a:lumOff val="60000"/>
+                  </a:schemeClr>
+                </a:solidFill>
+              </a:rPr>
+              <a:t> Ивановичу</a:t>
+            </a:r>
+          </a:p>
+        </p:txBody>
+      </p:sp>
+      <p:sp>
+        <p:nvSpPr>
+          <p:cNvPr id="23" name="TextBox 22"/>
+          <p:cNvSpPr txBox="1"/>
+          <p:nvPr/>
+        </p:nvSpPr>
+        <p:spPr>
+          <a:xfrm>
+            <a:off x="2426398" y="9349936"/>
+            <a:ext cx="3823483" cy="1077218"/>
+          </a:xfrm>
+          <a:prstGeom prst="rect">
+            <a:avLst/>
+          </a:prstGeom>
+          <a:noFill/>
+        </p:spPr>
+        <p:txBody>
+          <a:bodyPr wrap="none" rtlCol="0">
+            <a:spAutoFit/>
+          </a:bodyPr>
+          <a:lstStyle/>
+          <a:p>
+            <a:pPr algn="ctr"/>
+            <a:r>
+              <a:rPr lang="ru-RU" sz="2800" b="1" dirty="0">
+                <a:solidFill>
+                  <a:schemeClr val="accent4">
+                    <a:lumMod val="40000"/>
+                    <a:lumOff val="60000"/>
+                  </a:schemeClr>
+                </a:solidFill>
+              </a:rPr>
+              <a:t>в номинации</a:t>
+            </a:r>
+            <a:endParaRPr lang="en-US" sz="2800" b="1" dirty="0">
+              <a:solidFill>
+                <a:schemeClr val="accent4">
+                  <a:lumMod val="40000"/>
+                  <a:lumOff val="60000"/>
+                </a:schemeClr>
+              </a:solidFill>
+            </a:endParaRPr>
+          </a:p>
+          <a:p>
+            <a:pPr algn="ctr"/>
+            <a:r>
+              <a:rPr lang="ru-RU" sz="3600" b="1" i="1" dirty="0">
+                <a:solidFill>
+                  <a:schemeClr val="accent4">
+                    <a:lumMod val="40000"/>
+                    <a:lumOff val="60000"/>
+                  </a:schemeClr>
+                </a:solidFill>
+              </a:rPr>
+              <a:t>«Директор года»</a:t>
             </a:r>
           </a:p>
         </p:txBody>
@@ -3088,7 +3638,7 @@
     </p:spTree>
     <p:extLst>
       <p:ext uri="{BB962C8B-B14F-4D97-AF65-F5344CB8AC3E}">
-        <p14:creationId xmlns:p14="http://schemas.microsoft.com/office/powerpoint/2010/main" val="362097682"/>
+        <p14:creationId xmlns:p14="http://schemas.microsoft.com/office/powerpoint/2010/main" val="2353347601"/>
       </p:ext>
     </p:extLst>
   </p:cSld>
@@ -3098,7 +3648,7 @@
 </p:sld>
 </file>
 
-<file path=ppt/slides/slide2.xml><?xml version="1.0" encoding="utf-8"?>
+<file path=ppt/slides/slide3.xml><?xml version="1.0" encoding="utf-8"?>
 <p:sld xmlns:a="http://schemas.openxmlformats.org/drawingml/2006/main" xmlns:r="http://schemas.openxmlformats.org/officeDocument/2006/relationships" xmlns:p="http://schemas.openxmlformats.org/presentationml/2006/main">
   <p:cSld>
     <p:spTree>
@@ -3504,6 +4054,586 @@
     </p:spTree>
     <p:extLst>
       <p:ext uri="{BB962C8B-B14F-4D97-AF65-F5344CB8AC3E}">
+        <p14:creationId xmlns:p14="http://schemas.microsoft.com/office/powerpoint/2010/main" val="1315549444"/>
+      </p:ext>
+    </p:extLst>
+  </p:cSld>
+  <p:clrMapOvr>
+    <a:masterClrMapping/>
+  </p:clrMapOvr>
+</p:sld>
+</file>
+
+<file path=ppt/slides/slide4.xml><?xml version="1.0" encoding="utf-8"?>
+<p:sld xmlns:a="http://schemas.openxmlformats.org/drawingml/2006/main" xmlns:r="http://schemas.openxmlformats.org/officeDocument/2006/relationships" xmlns:p="http://schemas.openxmlformats.org/presentationml/2006/main">
+  <p:cSld>
+    <p:spTree>
+      <p:nvGrpSpPr>
+        <p:cNvPr id="1" name=""/>
+        <p:cNvGrpSpPr/>
+        <p:nvPr/>
+      </p:nvGrpSpPr>
+      <p:grpSpPr>
+        <a:xfrm>
+          <a:off x="0" y="0"/>
+          <a:ext cx="0" cy="0"/>
+          <a:chOff x="0" y="0"/>
+          <a:chExt cx="0" cy="0"/>
+        </a:xfrm>
+      </p:grpSpPr>
+      <p:sp>
+        <p:nvSpPr>
+          <p:cNvPr id="4" name="TextBox 3"/>
+          <p:cNvSpPr txBox="1"/>
+          <p:nvPr/>
+        </p:nvSpPr>
+        <p:spPr>
+          <a:xfrm flipH="1">
+            <a:off x="944621" y="1131376"/>
+            <a:ext cx="5006728" cy="2862322"/>
+          </a:xfrm>
+          <a:prstGeom prst="rect">
+            <a:avLst/>
+          </a:prstGeom>
+          <a:noFill/>
+        </p:spPr>
+        <p:txBody>
+          <a:bodyPr wrap="square" rtlCol="0">
+            <a:spAutoFit/>
+          </a:bodyPr>
+          <a:lstStyle/>
+          <a:p>
+            <a:r>
+              <a:rPr lang="ru-RU" dirty="0"/>
+              <a:t>4 памятных знака (диаметр – 6 см или </a:t>
+            </a:r>
+            <a:r>
+              <a:rPr lang="ru-RU" dirty="0" err="1"/>
+              <a:t>ближ</a:t>
+            </a:r>
+            <a:r>
+              <a:rPr lang="ru-RU" dirty="0"/>
+              <a:t>. Стандартный)</a:t>
+            </a:r>
+          </a:p>
+          <a:p>
+            <a:r>
+              <a:rPr lang="ru-RU" dirty="0"/>
+              <a:t>4 диплома лауреата</a:t>
+            </a:r>
+          </a:p>
+          <a:p>
+            <a:r>
+              <a:rPr lang="ru-RU" dirty="0"/>
+              <a:t>18 дипломов Номинантов</a:t>
+            </a:r>
+          </a:p>
+          <a:p>
+            <a:r>
+              <a:rPr lang="ru-RU" dirty="0"/>
+              <a:t>Размеры – 23 на 32 или </a:t>
+            </a:r>
+            <a:r>
+              <a:rPr lang="ru-RU" dirty="0" err="1"/>
+              <a:t>ближ</a:t>
+            </a:r>
+            <a:r>
+              <a:rPr lang="ru-RU" dirty="0"/>
+              <a:t>. стандартный </a:t>
+            </a:r>
+          </a:p>
+          <a:p>
+            <a:r>
+              <a:rPr lang="ru-RU" dirty="0"/>
+              <a:t>Дизайн требуется разработать</a:t>
+            </a:r>
+          </a:p>
+          <a:p>
+            <a:endParaRPr lang="ru-RU" dirty="0"/>
+          </a:p>
+          <a:p>
+            <a:r>
+              <a:rPr lang="ru-RU" dirty="0"/>
+              <a:t>Готовность – среда, 16.11.2016</a:t>
+            </a:r>
+            <a:endParaRPr lang="en-US" dirty="0"/>
+          </a:p>
+          <a:p>
+            <a:endParaRPr lang="en-US" dirty="0"/>
+          </a:p>
+          <a:p>
+            <a:r>
+              <a:rPr lang="ru-RU" dirty="0"/>
+              <a:t>Хороший образец (без узорного борта)</a:t>
+            </a:r>
+            <a:r>
+              <a:rPr lang="en-US" dirty="0"/>
+              <a:t>:</a:t>
+            </a:r>
+            <a:endParaRPr lang="ru-RU" dirty="0"/>
+          </a:p>
+        </p:txBody>
+      </p:sp>
+      <p:pic>
+        <p:nvPicPr>
+          <p:cNvPr id="1026" name="Picture 2" descr="Такие дипломы дали лауреатам"/>
+          <p:cNvPicPr>
+            <a:picLocks noChangeAspect="1" noChangeArrowheads="1"/>
+          </p:cNvPicPr>
+          <p:nvPr/>
+        </p:nvPicPr>
+        <p:blipFill>
+          <a:blip r:embed="rId2">
+            <a:extLst>
+              <a:ext uri="{28A0092B-C50C-407E-A947-70E740481C1C}">
+                <a14:useLocalDpi xmlns:a14="http://schemas.microsoft.com/office/drawing/2010/main" val="0"/>
+              </a:ext>
+            </a:extLst>
+          </a:blip>
+          <a:srcRect/>
+          <a:stretch>
+            <a:fillRect/>
+          </a:stretch>
+        </p:blipFill>
+        <p:spPr bwMode="auto">
+          <a:xfrm>
+            <a:off x="652880" y="4323348"/>
+            <a:ext cx="6662320" cy="4996740"/>
+          </a:xfrm>
+          <a:prstGeom prst="rect">
+            <a:avLst/>
+          </a:prstGeom>
+          <a:noFill/>
+          <a:extLst>
+            <a:ext uri="{909E8E84-426E-40DD-AFC4-6F175D3DCCD1}">
+              <a14:hiddenFill xmlns:a14="http://schemas.microsoft.com/office/drawing/2010/main">
+                <a:solidFill>
+                  <a:srgbClr val="FFFFFF"/>
+                </a:solidFill>
+              </a14:hiddenFill>
+            </a:ext>
+          </a:extLst>
+        </p:spPr>
+      </p:pic>
+    </p:spTree>
+    <p:extLst>
+      <p:ext uri="{BB962C8B-B14F-4D97-AF65-F5344CB8AC3E}">
+        <p14:creationId xmlns:p14="http://schemas.microsoft.com/office/powerpoint/2010/main" val="362097682"/>
+      </p:ext>
+    </p:extLst>
+  </p:cSld>
+  <p:clrMapOvr>
+    <a:masterClrMapping/>
+  </p:clrMapOvr>
+</p:sld>
+</file>
+
+<file path=ppt/slides/slide5.xml><?xml version="1.0" encoding="utf-8"?>
+<p:sld xmlns:a="http://schemas.openxmlformats.org/drawingml/2006/main" xmlns:r="http://schemas.openxmlformats.org/officeDocument/2006/relationships" xmlns:p="http://schemas.openxmlformats.org/presentationml/2006/main">
+  <p:cSld>
+    <p:spTree>
+      <p:nvGrpSpPr>
+        <p:cNvPr id="1" name=""/>
+        <p:cNvGrpSpPr/>
+        <p:nvPr/>
+      </p:nvGrpSpPr>
+      <p:grpSpPr>
+        <a:xfrm>
+          <a:off x="0" y="0"/>
+          <a:ext cx="0" cy="0"/>
+          <a:chOff x="0" y="0"/>
+          <a:chExt cx="0" cy="0"/>
+        </a:xfrm>
+      </p:grpSpPr>
+      <p:pic>
+        <p:nvPicPr>
+          <p:cNvPr id="4" name="Рисунок 3" descr="plaketka"/>
+          <p:cNvPicPr>
+            <a:picLocks noGrp="1" noChangeAspect="1"/>
+          </p:cNvPicPr>
+          <p:nvPr isPhoto="1"/>
+        </p:nvPicPr>
+        <p:blipFill rotWithShape="1">
+          <a:blip r:embed="rId2">
+            <a:lum/>
+            <a:extLst>
+              <a:ext uri="{28A0092B-C50C-407E-A947-70E740481C1C}">
+                <a14:useLocalDpi xmlns:a14="http://schemas.microsoft.com/office/drawing/2010/main" val="0"/>
+              </a:ext>
+            </a:extLst>
+          </a:blip>
+          <a:srcRect l="16930" t="11073" r="16403" b="5536"/>
+          <a:stretch/>
+        </p:blipFill>
+        <p:spPr>
+          <a:xfrm>
+            <a:off x="0" y="-1"/>
+            <a:ext cx="8280400" cy="11639227"/>
+          </a:xfrm>
+          <a:prstGeom prst="rect">
+            <a:avLst/>
+          </a:prstGeom>
+        </p:spPr>
+      </p:pic>
+      <p:pic>
+        <p:nvPicPr>
+          <p:cNvPr id="8" name="Рисунок 7" descr="plaketka"/>
+          <p:cNvPicPr>
+            <a:picLocks noGrp="1" noChangeAspect="1"/>
+          </p:cNvPicPr>
+          <p:nvPr isPhoto="1"/>
+        </p:nvPicPr>
+        <p:blipFill rotWithShape="1">
+          <a:blip r:embed="rId2">
+            <a:lum/>
+            <a:extLst>
+              <a:ext uri="{28A0092B-C50C-407E-A947-70E740481C1C}">
+                <a14:useLocalDpi xmlns:a14="http://schemas.microsoft.com/office/drawing/2010/main" val="0"/>
+              </a:ext>
+            </a:extLst>
+          </a:blip>
+          <a:srcRect l="25414" t="18068" r="24174" b="12753"/>
+          <a:stretch/>
+        </p:blipFill>
+        <p:spPr>
+          <a:xfrm>
+            <a:off x="402956" y="294468"/>
+            <a:ext cx="7547675" cy="10879810"/>
+          </a:xfrm>
+          <a:prstGeom prst="rect">
+            <a:avLst/>
+          </a:prstGeom>
+        </p:spPr>
+      </p:pic>
+      <p:sp>
+        <p:nvSpPr>
+          <p:cNvPr id="5" name="TextBox 4"/>
+          <p:cNvSpPr txBox="1"/>
+          <p:nvPr/>
+        </p:nvSpPr>
+        <p:spPr>
+          <a:xfrm>
+            <a:off x="1332854" y="4664991"/>
+            <a:ext cx="5531258" cy="830997"/>
+          </a:xfrm>
+          <a:prstGeom prst="rect">
+            <a:avLst/>
+          </a:prstGeom>
+          <a:noFill/>
+        </p:spPr>
+        <p:txBody>
+          <a:bodyPr wrap="none" rtlCol="0">
+            <a:spAutoFit/>
+          </a:bodyPr>
+          <a:lstStyle/>
+          <a:p>
+            <a:r>
+              <a:rPr lang="ru-RU" sz="4800" b="1" dirty="0">
+                <a:solidFill>
+                  <a:schemeClr val="accent4">
+                    <a:lumMod val="40000"/>
+                    <a:lumOff val="60000"/>
+                  </a:schemeClr>
+                </a:solidFill>
+              </a:rPr>
+              <a:t>ДИПЛОМ ЛАУРЕАТА</a:t>
+            </a:r>
+          </a:p>
+        </p:txBody>
+      </p:sp>
+      <p:pic>
+        <p:nvPicPr>
+          <p:cNvPr id="7" name="Рисунок 6" descr="medal"/>
+          <p:cNvPicPr>
+            <a:picLocks noGrp="1" noChangeAspect="1"/>
+          </p:cNvPicPr>
+          <p:nvPr isPhoto="1"/>
+        </p:nvPicPr>
+        <p:blipFill>
+          <a:blip r:embed="rId3">
+            <a:lum/>
+            <a:extLst>
+              <a:ext uri="{28A0092B-C50C-407E-A947-70E740481C1C}">
+                <a14:useLocalDpi xmlns:a14="http://schemas.microsoft.com/office/drawing/2010/main" val="0"/>
+              </a:ext>
+            </a:extLst>
+          </a:blip>
+          <a:stretch>
+            <a:fillRect/>
+          </a:stretch>
+        </p:blipFill>
+        <p:spPr>
+          <a:xfrm>
+            <a:off x="2944678" y="1362003"/>
+            <a:ext cx="2344979" cy="2344979"/>
+          </a:xfrm>
+          <a:prstGeom prst="rect">
+            <a:avLst/>
+          </a:prstGeom>
+        </p:spPr>
+      </p:pic>
+      <p:sp>
+        <p:nvSpPr>
+          <p:cNvPr id="9" name="TextBox 8"/>
+          <p:cNvSpPr txBox="1"/>
+          <p:nvPr/>
+        </p:nvSpPr>
+        <p:spPr>
+          <a:xfrm>
+            <a:off x="945216" y="5658718"/>
+            <a:ext cx="6306534" cy="1384995"/>
+          </a:xfrm>
+          <a:prstGeom prst="rect">
+            <a:avLst/>
+          </a:prstGeom>
+          <a:noFill/>
+        </p:spPr>
+        <p:txBody>
+          <a:bodyPr wrap="none" rtlCol="0">
+            <a:spAutoFit/>
+          </a:bodyPr>
+          <a:lstStyle/>
+          <a:p>
+            <a:pPr algn="ctr"/>
+            <a:r>
+              <a:rPr lang="ru-RU" sz="2800" b="1" dirty="0">
+                <a:solidFill>
+                  <a:schemeClr val="accent4">
+                    <a:lumMod val="40000"/>
+                    <a:lumOff val="60000"/>
+                  </a:schemeClr>
+                </a:solidFill>
+              </a:rPr>
+              <a:t>НАЦИОНАЛЬНОЙ ПРЕМИИ</a:t>
+            </a:r>
+          </a:p>
+          <a:p>
+            <a:pPr algn="ctr"/>
+            <a:r>
+              <a:rPr lang="ru-RU" sz="2800" b="1" dirty="0">
+                <a:solidFill>
+                  <a:schemeClr val="accent4">
+                    <a:lumMod val="40000"/>
+                    <a:lumOff val="60000"/>
+                  </a:schemeClr>
+                </a:solidFill>
+              </a:rPr>
+              <a:t>ПО УПРАВЛЕНИЮ</a:t>
+            </a:r>
+          </a:p>
+          <a:p>
+            <a:pPr algn="ctr"/>
+            <a:r>
+              <a:rPr lang="ru-RU" sz="2800" b="1" dirty="0">
+                <a:solidFill>
+                  <a:schemeClr val="accent4">
+                    <a:lumMod val="40000"/>
+                    <a:lumOff val="60000"/>
+                  </a:schemeClr>
+                </a:solidFill>
+              </a:rPr>
+              <a:t>ГОСУДАРСТВЕННОЙ СОБСТВЕННОСТЬЮ</a:t>
+            </a:r>
+          </a:p>
+        </p:txBody>
+      </p:sp>
+      <p:sp>
+        <p:nvSpPr>
+          <p:cNvPr id="10" name="Прямоугольник 9"/>
+          <p:cNvSpPr/>
+          <p:nvPr/>
+        </p:nvSpPr>
+        <p:spPr>
+          <a:xfrm>
+            <a:off x="545498" y="480447"/>
+            <a:ext cx="7189404" cy="10554346"/>
+          </a:xfrm>
+          <a:prstGeom prst="rect">
+            <a:avLst/>
+          </a:prstGeom>
+          <a:noFill/>
+          <a:ln w="38100">
+            <a:solidFill>
+              <a:schemeClr val="accent4">
+                <a:lumMod val="40000"/>
+                <a:lumOff val="60000"/>
+              </a:schemeClr>
+            </a:solidFill>
+          </a:ln>
+        </p:spPr>
+        <p:style>
+          <a:lnRef idx="2">
+            <a:schemeClr val="accent1">
+              <a:shade val="50000"/>
+            </a:schemeClr>
+          </a:lnRef>
+          <a:fillRef idx="1">
+            <a:schemeClr val="accent1"/>
+          </a:fillRef>
+          <a:effectRef idx="0">
+            <a:schemeClr val="accent1"/>
+          </a:effectRef>
+          <a:fontRef idx="minor">
+            <a:schemeClr val="lt1"/>
+          </a:fontRef>
+        </p:style>
+        <p:txBody>
+          <a:bodyPr rtlCol="0" anchor="ctr"/>
+          <a:lstStyle/>
+          <a:p>
+            <a:pPr algn="ctr"/>
+            <a:endParaRPr lang="ru-RU"/>
+          </a:p>
+        </p:txBody>
+      </p:sp>
+      <p:sp>
+        <p:nvSpPr>
+          <p:cNvPr id="12" name="TextBox 11"/>
+          <p:cNvSpPr txBox="1"/>
+          <p:nvPr/>
+        </p:nvSpPr>
+        <p:spPr>
+          <a:xfrm>
+            <a:off x="2620523" y="7206443"/>
+            <a:ext cx="3184077" cy="461665"/>
+          </a:xfrm>
+          <a:prstGeom prst="rect">
+            <a:avLst/>
+          </a:prstGeom>
+          <a:noFill/>
+        </p:spPr>
+        <p:txBody>
+          <a:bodyPr wrap="none" rtlCol="0">
+            <a:spAutoFit/>
+          </a:bodyPr>
+          <a:lstStyle/>
+          <a:p>
+            <a:pPr algn="ctr"/>
+            <a:r>
+              <a:rPr lang="ru-RU" sz="2400" b="1" dirty="0">
+                <a:solidFill>
+                  <a:schemeClr val="accent4">
+                    <a:lumMod val="40000"/>
+                    <a:lumOff val="60000"/>
+                  </a:schemeClr>
+                </a:solidFill>
+              </a:rPr>
+              <a:t>присуждена 2016</a:t>
+            </a:r>
+            <a:r>
+              <a:rPr lang="en-US" sz="2400" b="1" dirty="0">
+                <a:solidFill>
+                  <a:schemeClr val="accent4">
+                    <a:lumMod val="40000"/>
+                    <a:lumOff val="60000"/>
+                  </a:schemeClr>
+                </a:solidFill>
+              </a:rPr>
+              <a:t> </a:t>
+            </a:r>
+            <a:r>
+              <a:rPr lang="ru-RU" sz="2400" b="1" dirty="0">
+                <a:solidFill>
+                  <a:schemeClr val="accent4">
+                    <a:lumMod val="40000"/>
+                    <a:lumOff val="60000"/>
+                  </a:schemeClr>
+                </a:solidFill>
+              </a:rPr>
+              <a:t>году</a:t>
+            </a:r>
+          </a:p>
+        </p:txBody>
+      </p:sp>
+      <p:sp>
+        <p:nvSpPr>
+          <p:cNvPr id="13" name="TextBox 12"/>
+          <p:cNvSpPr txBox="1"/>
+          <p:nvPr/>
+        </p:nvSpPr>
+        <p:spPr>
+          <a:xfrm>
+            <a:off x="1209634" y="7932808"/>
+            <a:ext cx="5520166" cy="646331"/>
+          </a:xfrm>
+          <a:prstGeom prst="rect">
+            <a:avLst/>
+          </a:prstGeom>
+          <a:noFill/>
+        </p:spPr>
+        <p:txBody>
+          <a:bodyPr wrap="none" rtlCol="0">
+            <a:spAutoFit/>
+          </a:bodyPr>
+          <a:lstStyle/>
+          <a:p>
+            <a:pPr algn="ctr"/>
+            <a:r>
+              <a:rPr lang="ru-RU" sz="3600" b="1" i="1" dirty="0">
+                <a:solidFill>
+                  <a:schemeClr val="accent4">
+                    <a:lumMod val="75000"/>
+                  </a:schemeClr>
+                </a:solidFill>
+              </a:rPr>
+              <a:t>Иванову Ивану Ивановичу</a:t>
+            </a:r>
+          </a:p>
+        </p:txBody>
+      </p:sp>
+      <p:sp>
+        <p:nvSpPr>
+          <p:cNvPr id="14" name="TextBox 13"/>
+          <p:cNvSpPr txBox="1"/>
+          <p:nvPr/>
+        </p:nvSpPr>
+        <p:spPr>
+          <a:xfrm>
+            <a:off x="2228459" y="8998262"/>
+            <a:ext cx="3823483" cy="1077218"/>
+          </a:xfrm>
+          <a:prstGeom prst="rect">
+            <a:avLst/>
+          </a:prstGeom>
+          <a:noFill/>
+        </p:spPr>
+        <p:txBody>
+          <a:bodyPr wrap="none" rtlCol="0">
+            <a:spAutoFit/>
+          </a:bodyPr>
+          <a:lstStyle/>
+          <a:p>
+            <a:pPr algn="ctr"/>
+            <a:r>
+              <a:rPr lang="ru-RU" sz="2800" b="1" dirty="0">
+                <a:solidFill>
+                  <a:schemeClr val="accent4">
+                    <a:lumMod val="40000"/>
+                    <a:lumOff val="60000"/>
+                  </a:schemeClr>
+                </a:solidFill>
+              </a:rPr>
+              <a:t>в номинации</a:t>
+            </a:r>
+          </a:p>
+          <a:p>
+            <a:pPr algn="ctr"/>
+            <a:r>
+              <a:rPr lang="ru-RU" sz="3600" b="1" i="1" dirty="0">
+                <a:solidFill>
+                  <a:schemeClr val="accent4">
+                    <a:lumMod val="75000"/>
+                  </a:schemeClr>
+                </a:solidFill>
+              </a:rPr>
+              <a:t>«Директор года»</a:t>
+            </a:r>
+          </a:p>
+        </p:txBody>
+      </p:sp>
+    </p:spTree>
+    <p:extLst>
+      <p:ext uri="{BB962C8B-B14F-4D97-AF65-F5344CB8AC3E}">
         <p14:creationId xmlns:p14="http://schemas.microsoft.com/office/powerpoint/2010/main" val="611032708"/>
       </p:ext>
     </p:extLst>
@@ -3514,7 +4644,7 @@
 </p:sld>
 </file>
 
-<file path=ppt/slides/slide3.xml><?xml version="1.0" encoding="utf-8"?>
+<file path=ppt/slides/slide6.xml><?xml version="1.0" encoding="utf-8"?>
 <p:sld xmlns:a="http://schemas.openxmlformats.org/drawingml/2006/main" xmlns:r="http://schemas.openxmlformats.org/officeDocument/2006/relationships" xmlns:p="http://schemas.openxmlformats.org/presentationml/2006/main">
   <p:cSld>
     <p:spTree>

--- a/assets/award.pptx
+++ b/assets/award.pptx
@@ -6,11 +6,14 @@
   </p:sldMasterIdLst>
   <p:sldIdLst>
     <p:sldId id="259" r:id="rId2"/>
-    <p:sldId id="261" r:id="rId3"/>
-    <p:sldId id="260" r:id="rId4"/>
-    <p:sldId id="257" r:id="rId5"/>
-    <p:sldId id="256" r:id="rId6"/>
-    <p:sldId id="258" r:id="rId7"/>
+    <p:sldId id="264" r:id="rId3"/>
+    <p:sldId id="261" r:id="rId4"/>
+    <p:sldId id="262" r:id="rId5"/>
+    <p:sldId id="263" r:id="rId6"/>
+    <p:sldId id="260" r:id="rId7"/>
+    <p:sldId id="257" r:id="rId8"/>
+    <p:sldId id="256" r:id="rId9"/>
+    <p:sldId id="258" r:id="rId10"/>
   </p:sldIdLst>
   <p:sldSz cx="8280400" cy="11520488"/>
   <p:notesSz cx="6858000" cy="9144000"/>
@@ -248,7 +251,7 @@
           <a:p>
             <a:fld id="{F9263978-E7D1-4F97-819C-F328BF5E52A9}" type="datetimeFigureOut">
               <a:rPr lang="ru-RU" smtClean="0"/>
-              <a:t>11.11.2016</a:t>
+              <a:t>16.11.2016</a:t>
             </a:fld>
             <a:endParaRPr lang="ru-RU"/>
           </a:p>
@@ -418,7 +421,7 @@
           <a:p>
             <a:fld id="{F9263978-E7D1-4F97-819C-F328BF5E52A9}" type="datetimeFigureOut">
               <a:rPr lang="ru-RU" smtClean="0"/>
-              <a:t>11.11.2016</a:t>
+              <a:t>16.11.2016</a:t>
             </a:fld>
             <a:endParaRPr lang="ru-RU"/>
           </a:p>
@@ -598,7 +601,7 @@
           <a:p>
             <a:fld id="{F9263978-E7D1-4F97-819C-F328BF5E52A9}" type="datetimeFigureOut">
               <a:rPr lang="ru-RU" smtClean="0"/>
-              <a:t>11.11.2016</a:t>
+              <a:t>16.11.2016</a:t>
             </a:fld>
             <a:endParaRPr lang="ru-RU"/>
           </a:p>
@@ -768,7 +771,7 @@
           <a:p>
             <a:fld id="{F9263978-E7D1-4F97-819C-F328BF5E52A9}" type="datetimeFigureOut">
               <a:rPr lang="ru-RU" smtClean="0"/>
-              <a:t>11.11.2016</a:t>
+              <a:t>16.11.2016</a:t>
             </a:fld>
             <a:endParaRPr lang="ru-RU"/>
           </a:p>
@@ -1012,7 +1015,7 @@
           <a:p>
             <a:fld id="{F9263978-E7D1-4F97-819C-F328BF5E52A9}" type="datetimeFigureOut">
               <a:rPr lang="ru-RU" smtClean="0"/>
-              <a:t>11.11.2016</a:t>
+              <a:t>16.11.2016</a:t>
             </a:fld>
             <a:endParaRPr lang="ru-RU"/>
           </a:p>
@@ -1244,7 +1247,7 @@
           <a:p>
             <a:fld id="{F9263978-E7D1-4F97-819C-F328BF5E52A9}" type="datetimeFigureOut">
               <a:rPr lang="ru-RU" smtClean="0"/>
-              <a:t>11.11.2016</a:t>
+              <a:t>16.11.2016</a:t>
             </a:fld>
             <a:endParaRPr lang="ru-RU"/>
           </a:p>
@@ -1611,7 +1614,7 @@
           <a:p>
             <a:fld id="{F9263978-E7D1-4F97-819C-F328BF5E52A9}" type="datetimeFigureOut">
               <a:rPr lang="ru-RU" smtClean="0"/>
-              <a:t>11.11.2016</a:t>
+              <a:t>16.11.2016</a:t>
             </a:fld>
             <a:endParaRPr lang="ru-RU"/>
           </a:p>
@@ -1729,7 +1732,7 @@
           <a:p>
             <a:fld id="{F9263978-E7D1-4F97-819C-F328BF5E52A9}" type="datetimeFigureOut">
               <a:rPr lang="ru-RU" smtClean="0"/>
-              <a:t>11.11.2016</a:t>
+              <a:t>16.11.2016</a:t>
             </a:fld>
             <a:endParaRPr lang="ru-RU"/>
           </a:p>
@@ -1824,7 +1827,7 @@
           <a:p>
             <a:fld id="{F9263978-E7D1-4F97-819C-F328BF5E52A9}" type="datetimeFigureOut">
               <a:rPr lang="ru-RU" smtClean="0"/>
-              <a:t>11.11.2016</a:t>
+              <a:t>16.11.2016</a:t>
             </a:fld>
             <a:endParaRPr lang="ru-RU"/>
           </a:p>
@@ -2101,7 +2104,7 @@
           <a:p>
             <a:fld id="{F9263978-E7D1-4F97-819C-F328BF5E52A9}" type="datetimeFigureOut">
               <a:rPr lang="ru-RU" smtClean="0"/>
-              <a:t>11.11.2016</a:t>
+              <a:t>16.11.2016</a:t>
             </a:fld>
             <a:endParaRPr lang="ru-RU"/>
           </a:p>
@@ -2358,7 +2361,7 @@
           <a:p>
             <a:fld id="{F9263978-E7D1-4F97-819C-F328BF5E52A9}" type="datetimeFigureOut">
               <a:rPr lang="ru-RU" smtClean="0"/>
-              <a:t>11.11.2016</a:t>
+              <a:t>16.11.2016</a:t>
             </a:fld>
             <a:endParaRPr lang="ru-RU"/>
           </a:p>
@@ -2571,7 +2574,7 @@
           <a:p>
             <a:fld id="{F9263978-E7D1-4F97-819C-F328BF5E52A9}" type="datetimeFigureOut">
               <a:rPr lang="ru-RU" smtClean="0"/>
-              <a:t>11.11.2016</a:t>
+              <a:t>16.11.2016</a:t>
             </a:fld>
             <a:endParaRPr lang="ru-RU"/>
           </a:p>
@@ -3451,8 +3454,8 @@
         </p:nvSpPr>
         <p:spPr>
           <a:xfrm flipH="1">
-            <a:off x="944621" y="1131376"/>
-            <a:ext cx="5006728" cy="1200329"/>
+            <a:off x="350903" y="342995"/>
+            <a:ext cx="5006728" cy="923330"/>
           </a:xfrm>
           <a:prstGeom prst="rect">
             <a:avLst/>
@@ -3467,16 +3470,13 @@
           <a:p>
             <a:r>
               <a:rPr lang="ru-RU" dirty="0"/>
-              <a:t>Пробно гравируется только памятный знак (медаль) на малой зеленой </a:t>
-            </a:r>
-            <a:r>
-              <a:rPr lang="ru-RU" dirty="0" err="1"/>
-              <a:t>планкетке</a:t>
-            </a:r>
-            <a:r>
-              <a:rPr lang="ru-RU" dirty="0"/>
-              <a:t>.</a:t>
-            </a:r>
+              <a:t>Шрифт </a:t>
+            </a:r>
+            <a:r>
+              <a:rPr lang="en-US" dirty="0"/>
+              <a:t>Calibri bold</a:t>
+            </a:r>
+            <a:endParaRPr lang="ru-RU" dirty="0"/>
           </a:p>
           <a:p>
             <a:endParaRPr lang="ru-RU" dirty="0"/>
@@ -3509,7 +3509,7 @@
         </p:blipFill>
         <p:spPr>
           <a:xfrm>
-            <a:off x="3354892" y="3825866"/>
+            <a:off x="3254540" y="3532729"/>
             <a:ext cx="1712407" cy="1712407"/>
           </a:xfrm>
           <a:prstGeom prst="rect">
@@ -3525,8 +3525,70 @@
         </p:nvSpPr>
         <p:spPr>
           <a:xfrm>
-            <a:off x="1912509" y="8721724"/>
-            <a:ext cx="4712572" cy="584775"/>
+            <a:off x="1050618" y="8025955"/>
+            <a:ext cx="6320832" cy="1261884"/>
+          </a:xfrm>
+          <a:prstGeom prst="rect">
+            <a:avLst/>
+          </a:prstGeom>
+          <a:noFill/>
+        </p:spPr>
+        <p:txBody>
+          <a:bodyPr wrap="square" rtlCol="0">
+            <a:spAutoFit/>
+          </a:bodyPr>
+          <a:lstStyle/>
+          <a:p>
+            <a:pPr algn="ctr"/>
+            <a:r>
+              <a:rPr lang="ru-RU" sz="3800" b="1" i="1" dirty="0" err="1">
+                <a:solidFill>
+                  <a:schemeClr val="accent4">
+                    <a:lumMod val="40000"/>
+                    <a:lumOff val="60000"/>
+                  </a:schemeClr>
+                </a:solidFill>
+              </a:rPr>
+              <a:t>Будниченко</a:t>
+            </a:r>
+            <a:r>
+              <a:rPr lang="ru-RU" sz="3800" b="1" i="1" dirty="0">
+                <a:solidFill>
+                  <a:schemeClr val="accent4">
+                    <a:lumMod val="40000"/>
+                    <a:lumOff val="60000"/>
+                  </a:schemeClr>
+                </a:solidFill>
+              </a:rPr>
+              <a:t> </a:t>
+            </a:r>
+          </a:p>
+          <a:p>
+            <a:pPr algn="ctr"/>
+            <a:r>
+              <a:rPr lang="ru-RU" sz="3800" b="1" i="1" dirty="0">
+                <a:solidFill>
+                  <a:schemeClr val="accent4">
+                    <a:lumMod val="40000"/>
+                    <a:lumOff val="60000"/>
+                  </a:schemeClr>
+                </a:solidFill>
+              </a:rPr>
+              <a:t>Михаилу Анатольевичу</a:t>
+            </a:r>
+          </a:p>
+        </p:txBody>
+      </p:sp>
+      <p:sp>
+        <p:nvSpPr>
+          <p:cNvPr id="23" name="TextBox 22"/>
+          <p:cNvSpPr txBox="1"/>
+          <p:nvPr/>
+        </p:nvSpPr>
+        <p:spPr>
+          <a:xfrm>
+            <a:off x="2128271" y="9347803"/>
+            <a:ext cx="4229043" cy="1015663"/>
           </a:xfrm>
           <a:prstGeom prst="rect">
             <a:avLst/>
@@ -3541,7 +3603,7 @@
           <a:p>
             <a:pPr algn="ctr"/>
             <a:r>
-              <a:rPr lang="ru-RU" sz="3200" b="1" i="1" dirty="0">
+              <a:rPr lang="ru-RU" sz="1900" b="1" dirty="0">
                 <a:solidFill>
                   <a:schemeClr val="accent4">
                     <a:lumMod val="40000"/>
@@ -3549,68 +3611,9 @@
                   </a:schemeClr>
                 </a:solidFill>
               </a:rPr>
-              <a:t>Иванову </a:t>
-            </a:r>
-            <a:r>
-              <a:rPr lang="ru-RU" sz="3200" b="1" i="1" dirty="0" err="1">
-                <a:solidFill>
-                  <a:schemeClr val="accent4">
-                    <a:lumMod val="40000"/>
-                    <a:lumOff val="60000"/>
-                  </a:schemeClr>
-                </a:solidFill>
-              </a:rPr>
-              <a:t>Ивну</a:t>
-            </a:r>
-            <a:r>
-              <a:rPr lang="ru-RU" sz="3200" b="1" i="1" dirty="0">
-                <a:solidFill>
-                  <a:schemeClr val="accent4">
-                    <a:lumMod val="40000"/>
-                    <a:lumOff val="60000"/>
-                  </a:schemeClr>
-                </a:solidFill>
-              </a:rPr>
-              <a:t> Ивановичу</a:t>
-            </a:r>
-          </a:p>
-        </p:txBody>
-      </p:sp>
-      <p:sp>
-        <p:nvSpPr>
-          <p:cNvPr id="23" name="TextBox 22"/>
-          <p:cNvSpPr txBox="1"/>
-          <p:nvPr/>
-        </p:nvSpPr>
-        <p:spPr>
-          <a:xfrm>
-            <a:off x="2426398" y="9349936"/>
-            <a:ext cx="3823483" cy="1077218"/>
-          </a:xfrm>
-          <a:prstGeom prst="rect">
-            <a:avLst/>
-          </a:prstGeom>
-          <a:noFill/>
-        </p:spPr>
-        <p:txBody>
-          <a:bodyPr wrap="none" rtlCol="0">
-            <a:spAutoFit/>
-          </a:bodyPr>
-          <a:lstStyle/>
-          <a:p>
-            <a:pPr algn="ctr"/>
-            <a:r>
-              <a:rPr lang="ru-RU" sz="2800" b="1" dirty="0">
-                <a:solidFill>
-                  <a:schemeClr val="accent4">
-                    <a:lumMod val="40000"/>
-                    <a:lumOff val="60000"/>
-                  </a:schemeClr>
-                </a:solidFill>
-              </a:rPr>
               <a:t>в номинации</a:t>
             </a:r>
-            <a:endParaRPr lang="en-US" sz="2800" b="1" dirty="0">
+            <a:endParaRPr lang="en-US" sz="1900" b="1" dirty="0">
               <a:solidFill>
                 <a:schemeClr val="accent4">
                   <a:lumMod val="40000"/>
@@ -3622,7 +3625,7 @@
           <a:p>
             <a:pPr algn="ctr"/>
             <a:r>
-              <a:rPr lang="ru-RU" sz="3600" b="1" i="1" dirty="0">
+              <a:rPr lang="ru-RU" sz="4000" b="1" i="1" dirty="0">
                 <a:solidFill>
                   <a:schemeClr val="accent4">
                     <a:lumMod val="40000"/>
@@ -3635,6 +3638,922 @@
           </a:p>
         </p:txBody>
       </p:sp>
+      <p:sp>
+        <p:nvSpPr>
+          <p:cNvPr id="8" name="TextBox 7"/>
+          <p:cNvSpPr txBox="1"/>
+          <p:nvPr/>
+        </p:nvSpPr>
+        <p:spPr>
+          <a:xfrm>
+            <a:off x="2337573" y="5745896"/>
+            <a:ext cx="3746923" cy="584775"/>
+          </a:xfrm>
+          <a:prstGeom prst="rect">
+            <a:avLst/>
+          </a:prstGeom>
+          <a:noFill/>
+        </p:spPr>
+        <p:txBody>
+          <a:bodyPr wrap="none" rtlCol="0">
+            <a:spAutoFit/>
+          </a:bodyPr>
+          <a:lstStyle/>
+          <a:p>
+            <a:r>
+              <a:rPr lang="ru-RU" sz="3200" b="1" dirty="0">
+                <a:solidFill>
+                  <a:schemeClr val="accent4">
+                    <a:lumMod val="40000"/>
+                    <a:lumOff val="60000"/>
+                  </a:schemeClr>
+                </a:solidFill>
+              </a:rPr>
+              <a:t>ДИПЛОМ ЛАУРЕАТА</a:t>
+            </a:r>
+          </a:p>
+        </p:txBody>
+      </p:sp>
+      <p:sp>
+        <p:nvSpPr>
+          <p:cNvPr id="9" name="TextBox 8"/>
+          <p:cNvSpPr txBox="1"/>
+          <p:nvPr/>
+        </p:nvSpPr>
+        <p:spPr>
+          <a:xfrm>
+            <a:off x="1494330" y="6404076"/>
+            <a:ext cx="5433410" cy="1200329"/>
+          </a:xfrm>
+          <a:prstGeom prst="rect">
+            <a:avLst/>
+          </a:prstGeom>
+          <a:noFill/>
+        </p:spPr>
+        <p:txBody>
+          <a:bodyPr wrap="none" rtlCol="0">
+            <a:spAutoFit/>
+          </a:bodyPr>
+          <a:lstStyle/>
+          <a:p>
+            <a:pPr algn="ctr"/>
+            <a:r>
+              <a:rPr lang="ru-RU" sz="2400" b="1" dirty="0">
+                <a:solidFill>
+                  <a:schemeClr val="accent4">
+                    <a:lumMod val="40000"/>
+                    <a:lumOff val="60000"/>
+                  </a:schemeClr>
+                </a:solidFill>
+              </a:rPr>
+              <a:t>НАЦИОНАЛЬНОЙ ПРЕМИИ</a:t>
+            </a:r>
+          </a:p>
+          <a:p>
+            <a:pPr algn="ctr"/>
+            <a:r>
+              <a:rPr lang="ru-RU" sz="2400" b="1" dirty="0">
+                <a:solidFill>
+                  <a:schemeClr val="accent4">
+                    <a:lumMod val="40000"/>
+                    <a:lumOff val="60000"/>
+                  </a:schemeClr>
+                </a:solidFill>
+              </a:rPr>
+              <a:t>ПО УПРАВЛЕНИЮ</a:t>
+            </a:r>
+          </a:p>
+          <a:p>
+            <a:pPr algn="ctr"/>
+            <a:r>
+              <a:rPr lang="ru-RU" sz="2400" b="1" dirty="0">
+                <a:solidFill>
+                  <a:schemeClr val="accent4">
+                    <a:lumMod val="40000"/>
+                    <a:lumOff val="60000"/>
+                  </a:schemeClr>
+                </a:solidFill>
+              </a:rPr>
+              <a:t>ГОСУДАРСТВЕННОЙ СОБСТВЕННОСТЬЮ</a:t>
+            </a:r>
+          </a:p>
+        </p:txBody>
+      </p:sp>
+      <p:sp>
+        <p:nvSpPr>
+          <p:cNvPr id="10" name="TextBox 9"/>
+          <p:cNvSpPr txBox="1"/>
+          <p:nvPr/>
+        </p:nvSpPr>
+        <p:spPr>
+          <a:xfrm>
+            <a:off x="2930586" y="7628255"/>
+            <a:ext cx="2560894" cy="384721"/>
+          </a:xfrm>
+          <a:prstGeom prst="rect">
+            <a:avLst/>
+          </a:prstGeom>
+          <a:noFill/>
+        </p:spPr>
+        <p:txBody>
+          <a:bodyPr wrap="none" rtlCol="0">
+            <a:spAutoFit/>
+          </a:bodyPr>
+          <a:lstStyle/>
+          <a:p>
+            <a:pPr algn="ctr"/>
+            <a:r>
+              <a:rPr lang="ru-RU" sz="1900" b="1" dirty="0">
+                <a:solidFill>
+                  <a:schemeClr val="accent4">
+                    <a:lumMod val="40000"/>
+                    <a:lumOff val="60000"/>
+                  </a:schemeClr>
+                </a:solidFill>
+              </a:rPr>
+              <a:t>присуждена 2016</a:t>
+            </a:r>
+            <a:r>
+              <a:rPr lang="en-US" sz="1900" b="1" dirty="0">
+                <a:solidFill>
+                  <a:schemeClr val="accent4">
+                    <a:lumMod val="40000"/>
+                    <a:lumOff val="60000"/>
+                  </a:schemeClr>
+                </a:solidFill>
+              </a:rPr>
+              <a:t> </a:t>
+            </a:r>
+            <a:r>
+              <a:rPr lang="ru-RU" sz="1900" b="1" dirty="0">
+                <a:solidFill>
+                  <a:schemeClr val="accent4">
+                    <a:lumMod val="40000"/>
+                    <a:lumOff val="60000"/>
+                  </a:schemeClr>
+                </a:solidFill>
+              </a:rPr>
+              <a:t>году</a:t>
+            </a:r>
+          </a:p>
+        </p:txBody>
+      </p:sp>
+      <p:cxnSp>
+        <p:nvCxnSpPr>
+          <p:cNvPr id="3" name="Прямая соединительная линия 2"/>
+          <p:cNvCxnSpPr/>
+          <p:nvPr/>
+        </p:nvCxnSpPr>
+        <p:spPr>
+          <a:xfrm>
+            <a:off x="5934309" y="148032"/>
+            <a:ext cx="83986" cy="12044436"/>
+          </a:xfrm>
+          <a:prstGeom prst="line">
+            <a:avLst/>
+          </a:prstGeom>
+          <a:ln>
+            <a:solidFill>
+              <a:schemeClr val="bg1"/>
+            </a:solidFill>
+          </a:ln>
+        </p:spPr>
+        <p:style>
+          <a:lnRef idx="1">
+            <a:schemeClr val="accent1"/>
+          </a:lnRef>
+          <a:fillRef idx="0">
+            <a:schemeClr val="accent1"/>
+          </a:fillRef>
+          <a:effectRef idx="0">
+            <a:schemeClr val="accent1"/>
+          </a:effectRef>
+          <a:fontRef idx="minor">
+            <a:schemeClr val="tx1"/>
+          </a:fontRef>
+        </p:style>
+      </p:cxnSp>
+      <p:cxnSp>
+        <p:nvCxnSpPr>
+          <p:cNvPr id="13" name="Прямая соединительная линия 12"/>
+          <p:cNvCxnSpPr/>
+          <p:nvPr/>
+        </p:nvCxnSpPr>
+        <p:spPr>
+          <a:xfrm>
+            <a:off x="2369303" y="148032"/>
+            <a:ext cx="83986" cy="12044436"/>
+          </a:xfrm>
+          <a:prstGeom prst="line">
+            <a:avLst/>
+          </a:prstGeom>
+          <a:ln>
+            <a:solidFill>
+              <a:schemeClr val="bg1"/>
+            </a:solidFill>
+          </a:ln>
+        </p:spPr>
+        <p:style>
+          <a:lnRef idx="1">
+            <a:schemeClr val="accent1"/>
+          </a:lnRef>
+          <a:fillRef idx="0">
+            <a:schemeClr val="accent1"/>
+          </a:fillRef>
+          <a:effectRef idx="0">
+            <a:schemeClr val="accent1"/>
+          </a:effectRef>
+          <a:fontRef idx="minor">
+            <a:schemeClr val="tx1"/>
+          </a:fontRef>
+        </p:style>
+      </p:cxnSp>
+      <p:cxnSp>
+        <p:nvCxnSpPr>
+          <p:cNvPr id="15" name="Прямая соединительная линия 14"/>
+          <p:cNvCxnSpPr/>
+          <p:nvPr/>
+        </p:nvCxnSpPr>
+        <p:spPr>
+          <a:xfrm>
+            <a:off x="5358166" y="351503"/>
+            <a:ext cx="83986" cy="12044436"/>
+          </a:xfrm>
+          <a:prstGeom prst="line">
+            <a:avLst/>
+          </a:prstGeom>
+          <a:ln>
+            <a:solidFill>
+              <a:schemeClr val="bg1"/>
+            </a:solidFill>
+          </a:ln>
+        </p:spPr>
+        <p:style>
+          <a:lnRef idx="1">
+            <a:schemeClr val="accent1"/>
+          </a:lnRef>
+          <a:fillRef idx="0">
+            <a:schemeClr val="accent1"/>
+          </a:fillRef>
+          <a:effectRef idx="0">
+            <a:schemeClr val="accent1"/>
+          </a:effectRef>
+          <a:fontRef idx="minor">
+            <a:schemeClr val="tx1"/>
+          </a:fontRef>
+        </p:style>
+      </p:cxnSp>
+      <p:cxnSp>
+        <p:nvCxnSpPr>
+          <p:cNvPr id="16" name="Прямая соединительная линия 15"/>
+          <p:cNvCxnSpPr/>
+          <p:nvPr/>
+        </p:nvCxnSpPr>
+        <p:spPr>
+          <a:xfrm>
+            <a:off x="2950841" y="902158"/>
+            <a:ext cx="83986" cy="12044436"/>
+          </a:xfrm>
+          <a:prstGeom prst="line">
+            <a:avLst/>
+          </a:prstGeom>
+          <a:ln>
+            <a:solidFill>
+              <a:schemeClr val="bg1"/>
+            </a:solidFill>
+          </a:ln>
+        </p:spPr>
+        <p:style>
+          <a:lnRef idx="1">
+            <a:schemeClr val="accent1"/>
+          </a:lnRef>
+          <a:fillRef idx="0">
+            <a:schemeClr val="accent1"/>
+          </a:fillRef>
+          <a:effectRef idx="0">
+            <a:schemeClr val="accent1"/>
+          </a:effectRef>
+          <a:fontRef idx="minor">
+            <a:schemeClr val="tx1"/>
+          </a:fontRef>
+        </p:style>
+      </p:cxnSp>
+    </p:spTree>
+    <p:extLst>
+      <p:ext uri="{BB962C8B-B14F-4D97-AF65-F5344CB8AC3E}">
+        <p14:creationId xmlns:p14="http://schemas.microsoft.com/office/powerpoint/2010/main" val="2641578001"/>
+      </p:ext>
+    </p:extLst>
+  </p:cSld>
+  <p:clrMapOvr>
+    <a:masterClrMapping/>
+  </p:clrMapOvr>
+</p:sld>
+</file>
+
+<file path=ppt/slides/slide3.xml><?xml version="1.0" encoding="utf-8"?>
+<p:sld xmlns:a="http://schemas.openxmlformats.org/drawingml/2006/main" xmlns:r="http://schemas.openxmlformats.org/officeDocument/2006/relationships" xmlns:p="http://schemas.openxmlformats.org/presentationml/2006/main">
+  <p:cSld>
+    <p:spTree>
+      <p:nvGrpSpPr>
+        <p:cNvPr id="1" name=""/>
+        <p:cNvGrpSpPr/>
+        <p:nvPr/>
+      </p:nvGrpSpPr>
+      <p:grpSpPr>
+        <a:xfrm>
+          <a:off x="0" y="0"/>
+          <a:ext cx="0" cy="0"/>
+          <a:chOff x="0" y="0"/>
+          <a:chExt cx="0" cy="0"/>
+        </a:xfrm>
+      </p:grpSpPr>
+      <p:pic>
+        <p:nvPicPr>
+          <p:cNvPr id="1026" name="Picture 2" descr="http://www.dialcon.ru/components/com_virtuemart/shop_image/product/PL143____________55aca4e390408.gif"/>
+          <p:cNvPicPr>
+            <a:picLocks noChangeAspect="1" noChangeArrowheads="1"/>
+          </p:cNvPicPr>
+          <p:nvPr/>
+        </p:nvPicPr>
+        <p:blipFill>
+          <a:blip r:embed="rId2">
+            <a:extLst>
+              <a:ext uri="{28A0092B-C50C-407E-A947-70E740481C1C}">
+                <a14:useLocalDpi xmlns:a14="http://schemas.microsoft.com/office/drawing/2010/main" val="0"/>
+              </a:ext>
+            </a:extLst>
+          </a:blip>
+          <a:srcRect/>
+          <a:stretch>
+            <a:fillRect/>
+          </a:stretch>
+        </p:blipFill>
+        <p:spPr bwMode="auto">
+          <a:xfrm>
+            <a:off x="-79815" y="1371180"/>
+            <a:ext cx="8329795" cy="11106393"/>
+          </a:xfrm>
+          <a:prstGeom prst="rect">
+            <a:avLst/>
+          </a:prstGeom>
+          <a:noFill/>
+          <a:extLst>
+            <a:ext uri="{909E8E84-426E-40DD-AFC4-6F175D3DCCD1}">
+              <a14:hiddenFill xmlns:a14="http://schemas.microsoft.com/office/drawing/2010/main">
+                <a:solidFill>
+                  <a:srgbClr val="FFFFFF"/>
+                </a:solidFill>
+              </a14:hiddenFill>
+            </a:ext>
+          </a:extLst>
+        </p:spPr>
+      </p:pic>
+      <p:pic>
+        <p:nvPicPr>
+          <p:cNvPr id="14" name="Picture 2" descr="http://www.dialcon.ru/components/com_virtuemart/shop_image/product/PL143____________55aca4e390408.gif"/>
+          <p:cNvPicPr>
+            <a:picLocks noChangeAspect="1" noChangeArrowheads="1"/>
+          </p:cNvPicPr>
+          <p:nvPr/>
+        </p:nvPicPr>
+        <p:blipFill rotWithShape="1">
+          <a:blip r:embed="rId2">
+            <a:extLst>
+              <a:ext uri="{28A0092B-C50C-407E-A947-70E740481C1C}">
+                <a14:useLocalDpi xmlns:a14="http://schemas.microsoft.com/office/drawing/2010/main" val="0"/>
+              </a:ext>
+            </a:extLst>
+          </a:blip>
+          <a:srcRect l="17676" t="56729" r="57838" b="32597"/>
+          <a:stretch/>
+        </p:blipFill>
+        <p:spPr bwMode="auto">
+          <a:xfrm>
+            <a:off x="1410344" y="3188508"/>
+            <a:ext cx="5517396" cy="7471736"/>
+          </a:xfrm>
+          <a:prstGeom prst="rect">
+            <a:avLst/>
+          </a:prstGeom>
+          <a:noFill/>
+          <a:extLst>
+            <a:ext uri="{909E8E84-426E-40DD-AFC4-6F175D3DCCD1}">
+              <a14:hiddenFill xmlns:a14="http://schemas.microsoft.com/office/drawing/2010/main">
+                <a:solidFill>
+                  <a:srgbClr val="FFFFFF"/>
+                </a:solidFill>
+              </a14:hiddenFill>
+            </a:ext>
+          </a:extLst>
+        </p:spPr>
+      </p:pic>
+      <p:sp>
+        <p:nvSpPr>
+          <p:cNvPr id="4" name="TextBox 3"/>
+          <p:cNvSpPr txBox="1"/>
+          <p:nvPr/>
+        </p:nvSpPr>
+        <p:spPr>
+          <a:xfrm flipH="1">
+            <a:off x="944621" y="1131376"/>
+            <a:ext cx="5006728" cy="1200329"/>
+          </a:xfrm>
+          <a:prstGeom prst="rect">
+            <a:avLst/>
+          </a:prstGeom>
+          <a:noFill/>
+        </p:spPr>
+        <p:txBody>
+          <a:bodyPr wrap="square" rtlCol="0">
+            <a:spAutoFit/>
+          </a:bodyPr>
+          <a:lstStyle/>
+          <a:p>
+            <a:r>
+              <a:rPr lang="ru-RU" dirty="0"/>
+              <a:t>Пробно гравируется только памятный знак (медаль) на малой зеленой </a:t>
+            </a:r>
+            <a:r>
+              <a:rPr lang="ru-RU" dirty="0" err="1"/>
+              <a:t>планкетке</a:t>
+            </a:r>
+            <a:r>
+              <a:rPr lang="ru-RU" dirty="0"/>
+              <a:t>.</a:t>
+            </a:r>
+          </a:p>
+          <a:p>
+            <a:endParaRPr lang="ru-RU" dirty="0"/>
+          </a:p>
+          <a:p>
+            <a:endParaRPr lang="ru-RU" dirty="0"/>
+          </a:p>
+        </p:txBody>
+      </p:sp>
+      <p:pic>
+        <p:nvPicPr>
+          <p:cNvPr id="5" name="Рисунок 4" descr="medal"/>
+          <p:cNvPicPr>
+            <a:picLocks noGrp="1" noChangeAspect="1"/>
+          </p:cNvPicPr>
+          <p:nvPr isPhoto="1"/>
+        </p:nvPicPr>
+        <p:blipFill>
+          <a:blip r:embed="rId3">
+            <a:lum/>
+            <a:extLst>
+              <a:ext uri="{28A0092B-C50C-407E-A947-70E740481C1C}">
+                <a14:useLocalDpi xmlns:a14="http://schemas.microsoft.com/office/drawing/2010/main" val="0"/>
+              </a:ext>
+            </a:extLst>
+          </a:blip>
+          <a:stretch>
+            <a:fillRect/>
+          </a:stretch>
+        </p:blipFill>
+        <p:spPr>
+          <a:xfrm>
+            <a:off x="3254540" y="3532729"/>
+            <a:ext cx="1712407" cy="1712407"/>
+          </a:xfrm>
+          <a:prstGeom prst="rect">
+            <a:avLst/>
+          </a:prstGeom>
+        </p:spPr>
+      </p:pic>
+      <p:sp>
+        <p:nvSpPr>
+          <p:cNvPr id="22" name="TextBox 21"/>
+          <p:cNvSpPr txBox="1"/>
+          <p:nvPr/>
+        </p:nvSpPr>
+        <p:spPr>
+          <a:xfrm>
+            <a:off x="1050618" y="8025955"/>
+            <a:ext cx="6320832" cy="1261884"/>
+          </a:xfrm>
+          <a:prstGeom prst="rect">
+            <a:avLst/>
+          </a:prstGeom>
+          <a:noFill/>
+        </p:spPr>
+        <p:txBody>
+          <a:bodyPr wrap="square" rtlCol="0">
+            <a:spAutoFit/>
+          </a:bodyPr>
+          <a:lstStyle/>
+          <a:p>
+            <a:pPr algn="ctr"/>
+            <a:r>
+              <a:rPr lang="ru-RU" sz="3800" b="1" i="1" dirty="0" err="1">
+                <a:solidFill>
+                  <a:schemeClr val="accent4">
+                    <a:lumMod val="40000"/>
+                    <a:lumOff val="60000"/>
+                  </a:schemeClr>
+                </a:solidFill>
+              </a:rPr>
+              <a:t>Будниченко</a:t>
+            </a:r>
+            <a:r>
+              <a:rPr lang="ru-RU" sz="3800" b="1" i="1" dirty="0">
+                <a:solidFill>
+                  <a:schemeClr val="accent4">
+                    <a:lumMod val="40000"/>
+                    <a:lumOff val="60000"/>
+                  </a:schemeClr>
+                </a:solidFill>
+              </a:rPr>
+              <a:t> </a:t>
+            </a:r>
+          </a:p>
+          <a:p>
+            <a:pPr algn="ctr"/>
+            <a:r>
+              <a:rPr lang="ru-RU" sz="3800" b="1" i="1" dirty="0">
+                <a:solidFill>
+                  <a:schemeClr val="accent4">
+                    <a:lumMod val="40000"/>
+                    <a:lumOff val="60000"/>
+                  </a:schemeClr>
+                </a:solidFill>
+              </a:rPr>
+              <a:t>Михаилу Анатольевичу</a:t>
+            </a:r>
+          </a:p>
+        </p:txBody>
+      </p:sp>
+      <p:sp>
+        <p:nvSpPr>
+          <p:cNvPr id="23" name="TextBox 22"/>
+          <p:cNvSpPr txBox="1"/>
+          <p:nvPr/>
+        </p:nvSpPr>
+        <p:spPr>
+          <a:xfrm>
+            <a:off x="2128271" y="9347803"/>
+            <a:ext cx="4229043" cy="1015663"/>
+          </a:xfrm>
+          <a:prstGeom prst="rect">
+            <a:avLst/>
+          </a:prstGeom>
+          <a:noFill/>
+        </p:spPr>
+        <p:txBody>
+          <a:bodyPr wrap="none" rtlCol="0">
+            <a:spAutoFit/>
+          </a:bodyPr>
+          <a:lstStyle/>
+          <a:p>
+            <a:pPr algn="ctr"/>
+            <a:r>
+              <a:rPr lang="ru-RU" sz="2000" b="1" dirty="0">
+                <a:solidFill>
+                  <a:schemeClr val="accent4">
+                    <a:lumMod val="40000"/>
+                    <a:lumOff val="60000"/>
+                  </a:schemeClr>
+                </a:solidFill>
+              </a:rPr>
+              <a:t>в номинации</a:t>
+            </a:r>
+            <a:endParaRPr lang="en-US" sz="2000" b="1" dirty="0">
+              <a:solidFill>
+                <a:schemeClr val="accent4">
+                  <a:lumMod val="40000"/>
+                  <a:lumOff val="60000"/>
+                </a:schemeClr>
+              </a:solidFill>
+            </a:endParaRPr>
+          </a:p>
+          <a:p>
+            <a:pPr algn="ctr"/>
+            <a:r>
+              <a:rPr lang="ru-RU" sz="4000" b="1" i="1" dirty="0">
+                <a:solidFill>
+                  <a:schemeClr val="accent4">
+                    <a:lumMod val="40000"/>
+                    <a:lumOff val="60000"/>
+                  </a:schemeClr>
+                </a:solidFill>
+              </a:rPr>
+              <a:t>«Директор года»</a:t>
+            </a:r>
+          </a:p>
+        </p:txBody>
+      </p:sp>
+      <p:sp>
+        <p:nvSpPr>
+          <p:cNvPr id="8" name="TextBox 7"/>
+          <p:cNvSpPr txBox="1"/>
+          <p:nvPr/>
+        </p:nvSpPr>
+        <p:spPr>
+          <a:xfrm>
+            <a:off x="2337573" y="5745896"/>
+            <a:ext cx="3746923" cy="584775"/>
+          </a:xfrm>
+          <a:prstGeom prst="rect">
+            <a:avLst/>
+          </a:prstGeom>
+          <a:noFill/>
+        </p:spPr>
+        <p:txBody>
+          <a:bodyPr wrap="none" rtlCol="0">
+            <a:spAutoFit/>
+          </a:bodyPr>
+          <a:lstStyle/>
+          <a:p>
+            <a:r>
+              <a:rPr lang="ru-RU" sz="3200" b="1" dirty="0">
+                <a:solidFill>
+                  <a:schemeClr val="accent4">
+                    <a:lumMod val="40000"/>
+                    <a:lumOff val="60000"/>
+                  </a:schemeClr>
+                </a:solidFill>
+              </a:rPr>
+              <a:t>ДИПЛОМ ЛАУРЕАТА</a:t>
+            </a:r>
+          </a:p>
+        </p:txBody>
+      </p:sp>
+      <p:sp>
+        <p:nvSpPr>
+          <p:cNvPr id="9" name="TextBox 8"/>
+          <p:cNvSpPr txBox="1"/>
+          <p:nvPr/>
+        </p:nvSpPr>
+        <p:spPr>
+          <a:xfrm>
+            <a:off x="1494330" y="6404076"/>
+            <a:ext cx="5433410" cy="1200329"/>
+          </a:xfrm>
+          <a:prstGeom prst="rect">
+            <a:avLst/>
+          </a:prstGeom>
+          <a:noFill/>
+        </p:spPr>
+        <p:txBody>
+          <a:bodyPr wrap="none" rtlCol="0">
+            <a:spAutoFit/>
+          </a:bodyPr>
+          <a:lstStyle/>
+          <a:p>
+            <a:pPr algn="ctr"/>
+            <a:r>
+              <a:rPr lang="ru-RU" sz="2400" b="1" dirty="0">
+                <a:solidFill>
+                  <a:schemeClr val="accent4">
+                    <a:lumMod val="40000"/>
+                    <a:lumOff val="60000"/>
+                  </a:schemeClr>
+                </a:solidFill>
+              </a:rPr>
+              <a:t>НАЦИОНАЛЬНОЙ ПРЕМИИ</a:t>
+            </a:r>
+          </a:p>
+          <a:p>
+            <a:pPr algn="ctr"/>
+            <a:r>
+              <a:rPr lang="ru-RU" sz="2400" b="1" dirty="0">
+                <a:solidFill>
+                  <a:schemeClr val="accent4">
+                    <a:lumMod val="40000"/>
+                    <a:lumOff val="60000"/>
+                  </a:schemeClr>
+                </a:solidFill>
+              </a:rPr>
+              <a:t>ПО УПРАВЛЕНИЮ</a:t>
+            </a:r>
+          </a:p>
+          <a:p>
+            <a:pPr algn="ctr"/>
+            <a:r>
+              <a:rPr lang="ru-RU" sz="2400" b="1" dirty="0">
+                <a:solidFill>
+                  <a:schemeClr val="accent4">
+                    <a:lumMod val="40000"/>
+                    <a:lumOff val="60000"/>
+                  </a:schemeClr>
+                </a:solidFill>
+              </a:rPr>
+              <a:t>ГОСУДАРСТВЕННОЙ СОБСТВЕННОСТЬЮ</a:t>
+            </a:r>
+          </a:p>
+        </p:txBody>
+      </p:sp>
+      <p:sp>
+        <p:nvSpPr>
+          <p:cNvPr id="10" name="TextBox 9"/>
+          <p:cNvSpPr txBox="1"/>
+          <p:nvPr/>
+        </p:nvSpPr>
+        <p:spPr>
+          <a:xfrm>
+            <a:off x="2979384" y="7627470"/>
+            <a:ext cx="2463303" cy="400110"/>
+          </a:xfrm>
+          <a:prstGeom prst="rect">
+            <a:avLst/>
+          </a:prstGeom>
+          <a:noFill/>
+        </p:spPr>
+        <p:txBody>
+          <a:bodyPr wrap="none" rtlCol="0">
+            <a:spAutoFit/>
+          </a:bodyPr>
+          <a:lstStyle/>
+          <a:p>
+            <a:pPr algn="ctr"/>
+            <a:r>
+              <a:rPr lang="ru-RU" sz="2000" b="1" dirty="0">
+                <a:solidFill>
+                  <a:schemeClr val="accent4">
+                    <a:lumMod val="40000"/>
+                    <a:lumOff val="60000"/>
+                  </a:schemeClr>
+                </a:solidFill>
+              </a:rPr>
+              <a:t>присуждена</a:t>
+            </a:r>
+            <a:r>
+              <a:rPr lang="ru-RU" sz="1600" b="1" dirty="0">
+                <a:solidFill>
+                  <a:schemeClr val="accent4">
+                    <a:lumMod val="40000"/>
+                    <a:lumOff val="60000"/>
+                  </a:schemeClr>
+                </a:solidFill>
+              </a:rPr>
+              <a:t> 2016</a:t>
+            </a:r>
+            <a:r>
+              <a:rPr lang="en-US" sz="1600" b="1" dirty="0">
+                <a:solidFill>
+                  <a:schemeClr val="accent4">
+                    <a:lumMod val="40000"/>
+                    <a:lumOff val="60000"/>
+                  </a:schemeClr>
+                </a:solidFill>
+              </a:rPr>
+              <a:t> </a:t>
+            </a:r>
+            <a:r>
+              <a:rPr lang="ru-RU" sz="1600" b="1" dirty="0">
+                <a:solidFill>
+                  <a:schemeClr val="accent4">
+                    <a:lumMod val="40000"/>
+                    <a:lumOff val="60000"/>
+                  </a:schemeClr>
+                </a:solidFill>
+              </a:rPr>
+              <a:t>году</a:t>
+            </a:r>
+          </a:p>
+        </p:txBody>
+      </p:sp>
+      <p:cxnSp>
+        <p:nvCxnSpPr>
+          <p:cNvPr id="3" name="Прямая соединительная линия 2"/>
+          <p:cNvCxnSpPr/>
+          <p:nvPr/>
+        </p:nvCxnSpPr>
+        <p:spPr>
+          <a:xfrm>
+            <a:off x="5934309" y="148032"/>
+            <a:ext cx="83986" cy="12044436"/>
+          </a:xfrm>
+          <a:prstGeom prst="line">
+            <a:avLst/>
+          </a:prstGeom>
+          <a:ln>
+            <a:solidFill>
+              <a:schemeClr val="bg1"/>
+            </a:solidFill>
+          </a:ln>
+        </p:spPr>
+        <p:style>
+          <a:lnRef idx="1">
+            <a:schemeClr val="accent1"/>
+          </a:lnRef>
+          <a:fillRef idx="0">
+            <a:schemeClr val="accent1"/>
+          </a:fillRef>
+          <a:effectRef idx="0">
+            <a:schemeClr val="accent1"/>
+          </a:effectRef>
+          <a:fontRef idx="minor">
+            <a:schemeClr val="tx1"/>
+          </a:fontRef>
+        </p:style>
+      </p:cxnSp>
+      <p:cxnSp>
+        <p:nvCxnSpPr>
+          <p:cNvPr id="13" name="Прямая соединительная линия 12"/>
+          <p:cNvCxnSpPr/>
+          <p:nvPr/>
+        </p:nvCxnSpPr>
+        <p:spPr>
+          <a:xfrm>
+            <a:off x="2369303" y="148032"/>
+            <a:ext cx="83986" cy="12044436"/>
+          </a:xfrm>
+          <a:prstGeom prst="line">
+            <a:avLst/>
+          </a:prstGeom>
+          <a:ln>
+            <a:solidFill>
+              <a:schemeClr val="bg1"/>
+            </a:solidFill>
+          </a:ln>
+        </p:spPr>
+        <p:style>
+          <a:lnRef idx="1">
+            <a:schemeClr val="accent1"/>
+          </a:lnRef>
+          <a:fillRef idx="0">
+            <a:schemeClr val="accent1"/>
+          </a:fillRef>
+          <a:effectRef idx="0">
+            <a:schemeClr val="accent1"/>
+          </a:effectRef>
+          <a:fontRef idx="minor">
+            <a:schemeClr val="tx1"/>
+          </a:fontRef>
+        </p:style>
+      </p:cxnSp>
+      <p:cxnSp>
+        <p:nvCxnSpPr>
+          <p:cNvPr id="15" name="Прямая соединительная линия 14"/>
+          <p:cNvCxnSpPr/>
+          <p:nvPr/>
+        </p:nvCxnSpPr>
+        <p:spPr>
+          <a:xfrm>
+            <a:off x="5358166" y="351503"/>
+            <a:ext cx="83986" cy="12044436"/>
+          </a:xfrm>
+          <a:prstGeom prst="line">
+            <a:avLst/>
+          </a:prstGeom>
+          <a:ln>
+            <a:solidFill>
+              <a:schemeClr val="bg1"/>
+            </a:solidFill>
+          </a:ln>
+        </p:spPr>
+        <p:style>
+          <a:lnRef idx="1">
+            <a:schemeClr val="accent1"/>
+          </a:lnRef>
+          <a:fillRef idx="0">
+            <a:schemeClr val="accent1"/>
+          </a:fillRef>
+          <a:effectRef idx="0">
+            <a:schemeClr val="accent1"/>
+          </a:effectRef>
+          <a:fontRef idx="minor">
+            <a:schemeClr val="tx1"/>
+          </a:fontRef>
+        </p:style>
+      </p:cxnSp>
+      <p:cxnSp>
+        <p:nvCxnSpPr>
+          <p:cNvPr id="16" name="Прямая соединительная линия 15"/>
+          <p:cNvCxnSpPr/>
+          <p:nvPr/>
+        </p:nvCxnSpPr>
+        <p:spPr>
+          <a:xfrm>
+            <a:off x="2950841" y="902158"/>
+            <a:ext cx="83986" cy="12044436"/>
+          </a:xfrm>
+          <a:prstGeom prst="line">
+            <a:avLst/>
+          </a:prstGeom>
+          <a:ln>
+            <a:solidFill>
+              <a:schemeClr val="bg1"/>
+            </a:solidFill>
+          </a:ln>
+        </p:spPr>
+        <p:style>
+          <a:lnRef idx="1">
+            <a:schemeClr val="accent1"/>
+          </a:lnRef>
+          <a:fillRef idx="0">
+            <a:schemeClr val="accent1"/>
+          </a:fillRef>
+          <a:effectRef idx="0">
+            <a:schemeClr val="accent1"/>
+          </a:effectRef>
+          <a:fontRef idx="minor">
+            <a:schemeClr val="tx1"/>
+          </a:fontRef>
+        </p:style>
+      </p:cxnSp>
     </p:spTree>
     <p:extLst>
       <p:ext uri="{BB962C8B-B14F-4D97-AF65-F5344CB8AC3E}">
@@ -3648,7 +4567,1114 @@
 </p:sld>
 </file>
 
-<file path=ppt/slides/slide3.xml><?xml version="1.0" encoding="utf-8"?>
+<file path=ppt/slides/slide4.xml><?xml version="1.0" encoding="utf-8"?>
+<p:sld xmlns:a="http://schemas.openxmlformats.org/drawingml/2006/main" xmlns:r="http://schemas.openxmlformats.org/officeDocument/2006/relationships" xmlns:p="http://schemas.openxmlformats.org/presentationml/2006/main">
+  <p:cSld>
+    <p:spTree>
+      <p:nvGrpSpPr>
+        <p:cNvPr id="1" name=""/>
+        <p:cNvGrpSpPr/>
+        <p:nvPr/>
+      </p:nvGrpSpPr>
+      <p:grpSpPr>
+        <a:xfrm>
+          <a:off x="0" y="0"/>
+          <a:ext cx="0" cy="0"/>
+          <a:chOff x="0" y="0"/>
+          <a:chExt cx="0" cy="0"/>
+        </a:xfrm>
+      </p:grpSpPr>
+      <p:pic>
+        <p:nvPicPr>
+          <p:cNvPr id="1026" name="Picture 2" descr="http://www.dialcon.ru/components/com_virtuemart/shop_image/product/PL143____________55aca4e390408.gif"/>
+          <p:cNvPicPr>
+            <a:picLocks noChangeAspect="1" noChangeArrowheads="1"/>
+          </p:cNvPicPr>
+          <p:nvPr/>
+        </p:nvPicPr>
+        <p:blipFill>
+          <a:blip r:embed="rId2">
+            <a:extLst>
+              <a:ext uri="{28A0092B-C50C-407E-A947-70E740481C1C}">
+                <a14:useLocalDpi xmlns:a14="http://schemas.microsoft.com/office/drawing/2010/main" val="0"/>
+              </a:ext>
+            </a:extLst>
+          </a:blip>
+          <a:srcRect/>
+          <a:stretch>
+            <a:fillRect/>
+          </a:stretch>
+        </p:blipFill>
+        <p:spPr bwMode="auto">
+          <a:xfrm>
+            <a:off x="-79815" y="1371180"/>
+            <a:ext cx="8329795" cy="11106393"/>
+          </a:xfrm>
+          <a:prstGeom prst="rect">
+            <a:avLst/>
+          </a:prstGeom>
+          <a:noFill/>
+          <a:extLst>
+            <a:ext uri="{909E8E84-426E-40DD-AFC4-6F175D3DCCD1}">
+              <a14:hiddenFill xmlns:a14="http://schemas.microsoft.com/office/drawing/2010/main">
+                <a:solidFill>
+                  <a:srgbClr val="FFFFFF"/>
+                </a:solidFill>
+              </a14:hiddenFill>
+            </a:ext>
+          </a:extLst>
+        </p:spPr>
+      </p:pic>
+      <p:pic>
+        <p:nvPicPr>
+          <p:cNvPr id="14" name="Picture 2" descr="http://www.dialcon.ru/components/com_virtuemart/shop_image/product/PL143____________55aca4e390408.gif"/>
+          <p:cNvPicPr>
+            <a:picLocks noChangeAspect="1" noChangeArrowheads="1"/>
+          </p:cNvPicPr>
+          <p:nvPr/>
+        </p:nvPicPr>
+        <p:blipFill rotWithShape="1">
+          <a:blip r:embed="rId2">
+            <a:extLst>
+              <a:ext uri="{28A0092B-C50C-407E-A947-70E740481C1C}">
+                <a14:useLocalDpi xmlns:a14="http://schemas.microsoft.com/office/drawing/2010/main" val="0"/>
+              </a:ext>
+            </a:extLst>
+          </a:blip>
+          <a:srcRect l="17676" t="56729" r="57838" b="32597"/>
+          <a:stretch/>
+        </p:blipFill>
+        <p:spPr bwMode="auto">
+          <a:xfrm>
+            <a:off x="1410344" y="3188508"/>
+            <a:ext cx="5517396" cy="7471736"/>
+          </a:xfrm>
+          <a:prstGeom prst="rect">
+            <a:avLst/>
+          </a:prstGeom>
+          <a:noFill/>
+          <a:extLst>
+            <a:ext uri="{909E8E84-426E-40DD-AFC4-6F175D3DCCD1}">
+              <a14:hiddenFill xmlns:a14="http://schemas.microsoft.com/office/drawing/2010/main">
+                <a:solidFill>
+                  <a:srgbClr val="FFFFFF"/>
+                </a:solidFill>
+              </a14:hiddenFill>
+            </a:ext>
+          </a:extLst>
+        </p:spPr>
+      </p:pic>
+      <p:sp>
+        <p:nvSpPr>
+          <p:cNvPr id="4" name="TextBox 3"/>
+          <p:cNvSpPr txBox="1"/>
+          <p:nvPr/>
+        </p:nvSpPr>
+        <p:spPr>
+          <a:xfrm flipH="1">
+            <a:off x="944621" y="1131376"/>
+            <a:ext cx="5006728" cy="1200329"/>
+          </a:xfrm>
+          <a:prstGeom prst="rect">
+            <a:avLst/>
+          </a:prstGeom>
+          <a:noFill/>
+        </p:spPr>
+        <p:txBody>
+          <a:bodyPr wrap="square" rtlCol="0">
+            <a:spAutoFit/>
+          </a:bodyPr>
+          <a:lstStyle/>
+          <a:p>
+            <a:r>
+              <a:rPr lang="ru-RU" dirty="0"/>
+              <a:t>Пробно гравируется только памятный знак (медаль) на малой зеленой </a:t>
+            </a:r>
+            <a:r>
+              <a:rPr lang="ru-RU" dirty="0" err="1"/>
+              <a:t>планкетке</a:t>
+            </a:r>
+            <a:r>
+              <a:rPr lang="ru-RU" dirty="0"/>
+              <a:t>.</a:t>
+            </a:r>
+          </a:p>
+          <a:p>
+            <a:endParaRPr lang="ru-RU" dirty="0"/>
+          </a:p>
+          <a:p>
+            <a:endParaRPr lang="ru-RU" dirty="0"/>
+          </a:p>
+        </p:txBody>
+      </p:sp>
+      <p:pic>
+        <p:nvPicPr>
+          <p:cNvPr id="5" name="Рисунок 4" descr="medal"/>
+          <p:cNvPicPr>
+            <a:picLocks noGrp="1" noChangeAspect="1"/>
+          </p:cNvPicPr>
+          <p:nvPr isPhoto="1"/>
+        </p:nvPicPr>
+        <p:blipFill>
+          <a:blip r:embed="rId3">
+            <a:lum/>
+            <a:extLst>
+              <a:ext uri="{28A0092B-C50C-407E-A947-70E740481C1C}">
+                <a14:useLocalDpi xmlns:a14="http://schemas.microsoft.com/office/drawing/2010/main" val="0"/>
+              </a:ext>
+            </a:extLst>
+          </a:blip>
+          <a:stretch>
+            <a:fillRect/>
+          </a:stretch>
+        </p:blipFill>
+        <p:spPr>
+          <a:xfrm>
+            <a:off x="3254540" y="3532729"/>
+            <a:ext cx="1712407" cy="1712407"/>
+          </a:xfrm>
+          <a:prstGeom prst="rect">
+            <a:avLst/>
+          </a:prstGeom>
+        </p:spPr>
+      </p:pic>
+      <p:sp>
+        <p:nvSpPr>
+          <p:cNvPr id="22" name="TextBox 21"/>
+          <p:cNvSpPr txBox="1"/>
+          <p:nvPr/>
+        </p:nvSpPr>
+        <p:spPr>
+          <a:xfrm>
+            <a:off x="2288538" y="8032807"/>
+            <a:ext cx="4099200" cy="1323439"/>
+          </a:xfrm>
+          <a:prstGeom prst="rect">
+            <a:avLst/>
+          </a:prstGeom>
+          <a:noFill/>
+        </p:spPr>
+        <p:txBody>
+          <a:bodyPr wrap="none" rtlCol="0">
+            <a:spAutoFit/>
+          </a:bodyPr>
+          <a:lstStyle/>
+          <a:p>
+            <a:pPr algn="ctr"/>
+            <a:r>
+              <a:rPr lang="ru-RU" sz="4000" b="1" i="1" dirty="0">
+                <a:solidFill>
+                  <a:schemeClr val="accent4">
+                    <a:lumMod val="40000"/>
+                    <a:lumOff val="60000"/>
+                  </a:schemeClr>
+                </a:solidFill>
+              </a:rPr>
+              <a:t>Иванову </a:t>
+            </a:r>
+          </a:p>
+          <a:p>
+            <a:pPr algn="ctr"/>
+            <a:r>
+              <a:rPr lang="ru-RU" sz="4000" b="1" i="1" dirty="0">
+                <a:solidFill>
+                  <a:schemeClr val="accent4">
+                    <a:lumMod val="40000"/>
+                    <a:lumOff val="60000"/>
+                  </a:schemeClr>
+                </a:solidFill>
+              </a:rPr>
+              <a:t>Ивану Ивановичу</a:t>
+            </a:r>
+          </a:p>
+        </p:txBody>
+      </p:sp>
+      <p:sp>
+        <p:nvSpPr>
+          <p:cNvPr id="23" name="TextBox 22"/>
+          <p:cNvSpPr txBox="1"/>
+          <p:nvPr/>
+        </p:nvSpPr>
+        <p:spPr>
+          <a:xfrm>
+            <a:off x="2288538" y="9371260"/>
+            <a:ext cx="4007187" cy="1015663"/>
+          </a:xfrm>
+          <a:prstGeom prst="rect">
+            <a:avLst/>
+          </a:prstGeom>
+          <a:noFill/>
+        </p:spPr>
+        <p:txBody>
+          <a:bodyPr wrap="none" rtlCol="0">
+            <a:spAutoFit/>
+          </a:bodyPr>
+          <a:lstStyle/>
+          <a:p>
+            <a:pPr algn="ctr"/>
+            <a:r>
+              <a:rPr lang="ru-RU" sz="2000" b="1" dirty="0">
+                <a:solidFill>
+                  <a:schemeClr val="accent4">
+                    <a:lumMod val="40000"/>
+                    <a:lumOff val="60000"/>
+                  </a:schemeClr>
+                </a:solidFill>
+              </a:rPr>
+              <a:t>в номинации</a:t>
+            </a:r>
+            <a:endParaRPr lang="en-US" sz="2000" b="1" dirty="0">
+              <a:solidFill>
+                <a:schemeClr val="accent4">
+                  <a:lumMod val="40000"/>
+                  <a:lumOff val="60000"/>
+                </a:schemeClr>
+              </a:solidFill>
+            </a:endParaRPr>
+          </a:p>
+          <a:p>
+            <a:pPr algn="ctr"/>
+            <a:r>
+              <a:rPr lang="ru-RU" sz="4000" b="1" dirty="0">
+                <a:solidFill>
+                  <a:schemeClr val="accent4">
+                    <a:lumMod val="40000"/>
+                    <a:lumOff val="60000"/>
+                  </a:schemeClr>
+                </a:solidFill>
+              </a:rPr>
+              <a:t>«Директор года»</a:t>
+            </a:r>
+          </a:p>
+        </p:txBody>
+      </p:sp>
+      <p:sp>
+        <p:nvSpPr>
+          <p:cNvPr id="8" name="TextBox 7"/>
+          <p:cNvSpPr txBox="1"/>
+          <p:nvPr/>
+        </p:nvSpPr>
+        <p:spPr>
+          <a:xfrm>
+            <a:off x="2337573" y="5683287"/>
+            <a:ext cx="3746923" cy="584775"/>
+          </a:xfrm>
+          <a:prstGeom prst="rect">
+            <a:avLst/>
+          </a:prstGeom>
+          <a:noFill/>
+        </p:spPr>
+        <p:txBody>
+          <a:bodyPr wrap="none" rtlCol="0">
+            <a:spAutoFit/>
+          </a:bodyPr>
+          <a:lstStyle/>
+          <a:p>
+            <a:r>
+              <a:rPr lang="ru-RU" sz="3200" b="1" dirty="0">
+                <a:solidFill>
+                  <a:schemeClr val="accent4">
+                    <a:lumMod val="40000"/>
+                    <a:lumOff val="60000"/>
+                  </a:schemeClr>
+                </a:solidFill>
+              </a:rPr>
+              <a:t>ДИПЛОМ ЛАУРЕАТА</a:t>
+            </a:r>
+          </a:p>
+        </p:txBody>
+      </p:sp>
+      <p:sp>
+        <p:nvSpPr>
+          <p:cNvPr id="9" name="TextBox 8"/>
+          <p:cNvSpPr txBox="1"/>
+          <p:nvPr/>
+        </p:nvSpPr>
+        <p:spPr>
+          <a:xfrm>
+            <a:off x="1494330" y="6404076"/>
+            <a:ext cx="5433410" cy="1200329"/>
+          </a:xfrm>
+          <a:prstGeom prst="rect">
+            <a:avLst/>
+          </a:prstGeom>
+          <a:noFill/>
+        </p:spPr>
+        <p:txBody>
+          <a:bodyPr wrap="none" rtlCol="0">
+            <a:spAutoFit/>
+          </a:bodyPr>
+          <a:lstStyle/>
+          <a:p>
+            <a:pPr algn="ctr"/>
+            <a:r>
+              <a:rPr lang="ru-RU" sz="2400" b="1" dirty="0">
+                <a:solidFill>
+                  <a:schemeClr val="accent4">
+                    <a:lumMod val="40000"/>
+                    <a:lumOff val="60000"/>
+                  </a:schemeClr>
+                </a:solidFill>
+              </a:rPr>
+              <a:t>НАЦИОНАЛЬНОЙ ПРЕМИИ</a:t>
+            </a:r>
+          </a:p>
+          <a:p>
+            <a:pPr algn="ctr"/>
+            <a:r>
+              <a:rPr lang="ru-RU" sz="2400" b="1" dirty="0">
+                <a:solidFill>
+                  <a:schemeClr val="accent4">
+                    <a:lumMod val="40000"/>
+                    <a:lumOff val="60000"/>
+                  </a:schemeClr>
+                </a:solidFill>
+              </a:rPr>
+              <a:t>ПО УПРАВЛЕНИЮ</a:t>
+            </a:r>
+          </a:p>
+          <a:p>
+            <a:pPr algn="ctr"/>
+            <a:r>
+              <a:rPr lang="ru-RU" sz="2400" b="1" dirty="0">
+                <a:solidFill>
+                  <a:schemeClr val="accent4">
+                    <a:lumMod val="40000"/>
+                    <a:lumOff val="60000"/>
+                  </a:schemeClr>
+                </a:solidFill>
+              </a:rPr>
+              <a:t>ГОСУДАРСТВЕННОЙ СОБСТВЕННОСТЬЮ</a:t>
+            </a:r>
+          </a:p>
+        </p:txBody>
+      </p:sp>
+      <p:sp>
+        <p:nvSpPr>
+          <p:cNvPr id="10" name="TextBox 9"/>
+          <p:cNvSpPr txBox="1"/>
+          <p:nvPr/>
+        </p:nvSpPr>
+        <p:spPr>
+          <a:xfrm>
+            <a:off x="2868423" y="7689965"/>
+            <a:ext cx="2685222" cy="400110"/>
+          </a:xfrm>
+          <a:prstGeom prst="rect">
+            <a:avLst/>
+          </a:prstGeom>
+          <a:noFill/>
+        </p:spPr>
+        <p:txBody>
+          <a:bodyPr wrap="none" rtlCol="0">
+            <a:spAutoFit/>
+          </a:bodyPr>
+          <a:lstStyle/>
+          <a:p>
+            <a:pPr algn="ctr"/>
+            <a:r>
+              <a:rPr lang="ru-RU" sz="2000" b="1" dirty="0">
+                <a:solidFill>
+                  <a:schemeClr val="accent4">
+                    <a:lumMod val="40000"/>
+                    <a:lumOff val="60000"/>
+                  </a:schemeClr>
+                </a:solidFill>
+              </a:rPr>
+              <a:t>присуждена 2016</a:t>
+            </a:r>
+            <a:r>
+              <a:rPr lang="en-US" sz="2000" b="1" dirty="0">
+                <a:solidFill>
+                  <a:schemeClr val="accent4">
+                    <a:lumMod val="40000"/>
+                    <a:lumOff val="60000"/>
+                  </a:schemeClr>
+                </a:solidFill>
+              </a:rPr>
+              <a:t> </a:t>
+            </a:r>
+            <a:r>
+              <a:rPr lang="ru-RU" sz="2000" b="1" dirty="0">
+                <a:solidFill>
+                  <a:schemeClr val="accent4">
+                    <a:lumMod val="40000"/>
+                    <a:lumOff val="60000"/>
+                  </a:schemeClr>
+                </a:solidFill>
+              </a:rPr>
+              <a:t>году</a:t>
+            </a:r>
+          </a:p>
+        </p:txBody>
+      </p:sp>
+      <p:cxnSp>
+        <p:nvCxnSpPr>
+          <p:cNvPr id="3" name="Прямая соединительная линия 2"/>
+          <p:cNvCxnSpPr/>
+          <p:nvPr/>
+        </p:nvCxnSpPr>
+        <p:spPr>
+          <a:xfrm>
+            <a:off x="5934309" y="148032"/>
+            <a:ext cx="83986" cy="12044436"/>
+          </a:xfrm>
+          <a:prstGeom prst="line">
+            <a:avLst/>
+          </a:prstGeom>
+          <a:ln>
+            <a:solidFill>
+              <a:schemeClr val="bg1"/>
+            </a:solidFill>
+          </a:ln>
+        </p:spPr>
+        <p:style>
+          <a:lnRef idx="1">
+            <a:schemeClr val="accent1"/>
+          </a:lnRef>
+          <a:fillRef idx="0">
+            <a:schemeClr val="accent1"/>
+          </a:fillRef>
+          <a:effectRef idx="0">
+            <a:schemeClr val="accent1"/>
+          </a:effectRef>
+          <a:fontRef idx="minor">
+            <a:schemeClr val="tx1"/>
+          </a:fontRef>
+        </p:style>
+      </p:cxnSp>
+      <p:cxnSp>
+        <p:nvCxnSpPr>
+          <p:cNvPr id="13" name="Прямая соединительная линия 12"/>
+          <p:cNvCxnSpPr/>
+          <p:nvPr/>
+        </p:nvCxnSpPr>
+        <p:spPr>
+          <a:xfrm>
+            <a:off x="2369303" y="148032"/>
+            <a:ext cx="83986" cy="12044436"/>
+          </a:xfrm>
+          <a:prstGeom prst="line">
+            <a:avLst/>
+          </a:prstGeom>
+          <a:ln>
+            <a:solidFill>
+              <a:schemeClr val="bg1"/>
+            </a:solidFill>
+          </a:ln>
+        </p:spPr>
+        <p:style>
+          <a:lnRef idx="1">
+            <a:schemeClr val="accent1"/>
+          </a:lnRef>
+          <a:fillRef idx="0">
+            <a:schemeClr val="accent1"/>
+          </a:fillRef>
+          <a:effectRef idx="0">
+            <a:schemeClr val="accent1"/>
+          </a:effectRef>
+          <a:fontRef idx="minor">
+            <a:schemeClr val="tx1"/>
+          </a:fontRef>
+        </p:style>
+      </p:cxnSp>
+      <p:cxnSp>
+        <p:nvCxnSpPr>
+          <p:cNvPr id="15" name="Прямая соединительная линия 14"/>
+          <p:cNvCxnSpPr/>
+          <p:nvPr/>
+        </p:nvCxnSpPr>
+        <p:spPr>
+          <a:xfrm>
+            <a:off x="5358166" y="351503"/>
+            <a:ext cx="83986" cy="12044436"/>
+          </a:xfrm>
+          <a:prstGeom prst="line">
+            <a:avLst/>
+          </a:prstGeom>
+          <a:ln>
+            <a:solidFill>
+              <a:schemeClr val="bg1"/>
+            </a:solidFill>
+          </a:ln>
+        </p:spPr>
+        <p:style>
+          <a:lnRef idx="1">
+            <a:schemeClr val="accent1"/>
+          </a:lnRef>
+          <a:fillRef idx="0">
+            <a:schemeClr val="accent1"/>
+          </a:fillRef>
+          <a:effectRef idx="0">
+            <a:schemeClr val="accent1"/>
+          </a:effectRef>
+          <a:fontRef idx="minor">
+            <a:schemeClr val="tx1"/>
+          </a:fontRef>
+        </p:style>
+      </p:cxnSp>
+      <p:cxnSp>
+        <p:nvCxnSpPr>
+          <p:cNvPr id="16" name="Прямая соединительная линия 15"/>
+          <p:cNvCxnSpPr/>
+          <p:nvPr/>
+        </p:nvCxnSpPr>
+        <p:spPr>
+          <a:xfrm>
+            <a:off x="2950841" y="902158"/>
+            <a:ext cx="83986" cy="12044436"/>
+          </a:xfrm>
+          <a:prstGeom prst="line">
+            <a:avLst/>
+          </a:prstGeom>
+          <a:ln>
+            <a:solidFill>
+              <a:schemeClr val="bg1"/>
+            </a:solidFill>
+          </a:ln>
+        </p:spPr>
+        <p:style>
+          <a:lnRef idx="1">
+            <a:schemeClr val="accent1"/>
+          </a:lnRef>
+          <a:fillRef idx="0">
+            <a:schemeClr val="accent1"/>
+          </a:fillRef>
+          <a:effectRef idx="0">
+            <a:schemeClr val="accent1"/>
+          </a:effectRef>
+          <a:fontRef idx="minor">
+            <a:schemeClr val="tx1"/>
+          </a:fontRef>
+        </p:style>
+      </p:cxnSp>
+    </p:spTree>
+    <p:extLst>
+      <p:ext uri="{BB962C8B-B14F-4D97-AF65-F5344CB8AC3E}">
+        <p14:creationId xmlns:p14="http://schemas.microsoft.com/office/powerpoint/2010/main" val="1969326113"/>
+      </p:ext>
+    </p:extLst>
+  </p:cSld>
+  <p:clrMapOvr>
+    <a:masterClrMapping/>
+  </p:clrMapOvr>
+</p:sld>
+</file>
+
+<file path=ppt/slides/slide5.xml><?xml version="1.0" encoding="utf-8"?>
+<p:sld xmlns:a="http://schemas.openxmlformats.org/drawingml/2006/main" xmlns:r="http://schemas.openxmlformats.org/officeDocument/2006/relationships" xmlns:p="http://schemas.openxmlformats.org/presentationml/2006/main">
+  <p:cSld>
+    <p:spTree>
+      <p:nvGrpSpPr>
+        <p:cNvPr id="1" name=""/>
+        <p:cNvGrpSpPr/>
+        <p:nvPr/>
+      </p:nvGrpSpPr>
+      <p:grpSpPr>
+        <a:xfrm>
+          <a:off x="0" y="0"/>
+          <a:ext cx="0" cy="0"/>
+          <a:chOff x="0" y="0"/>
+          <a:chExt cx="0" cy="0"/>
+        </a:xfrm>
+      </p:grpSpPr>
+      <p:pic>
+        <p:nvPicPr>
+          <p:cNvPr id="1026" name="Picture 2" descr="http://www.dialcon.ru/components/com_virtuemart/shop_image/product/PL143____________55aca4e390408.gif"/>
+          <p:cNvPicPr>
+            <a:picLocks noChangeAspect="1" noChangeArrowheads="1"/>
+          </p:cNvPicPr>
+          <p:nvPr/>
+        </p:nvPicPr>
+        <p:blipFill>
+          <a:blip r:embed="rId2">
+            <a:extLst>
+              <a:ext uri="{28A0092B-C50C-407E-A947-70E740481C1C}">
+                <a14:useLocalDpi xmlns:a14="http://schemas.microsoft.com/office/drawing/2010/main" val="0"/>
+              </a:ext>
+            </a:extLst>
+          </a:blip>
+          <a:srcRect/>
+          <a:stretch>
+            <a:fillRect/>
+          </a:stretch>
+        </p:blipFill>
+        <p:spPr bwMode="auto">
+          <a:xfrm>
+            <a:off x="-79815" y="1371180"/>
+            <a:ext cx="8329795" cy="11106393"/>
+          </a:xfrm>
+          <a:prstGeom prst="rect">
+            <a:avLst/>
+          </a:prstGeom>
+          <a:noFill/>
+          <a:extLst>
+            <a:ext uri="{909E8E84-426E-40DD-AFC4-6F175D3DCCD1}">
+              <a14:hiddenFill xmlns:a14="http://schemas.microsoft.com/office/drawing/2010/main">
+                <a:solidFill>
+                  <a:srgbClr val="FFFFFF"/>
+                </a:solidFill>
+              </a14:hiddenFill>
+            </a:ext>
+          </a:extLst>
+        </p:spPr>
+      </p:pic>
+      <p:pic>
+        <p:nvPicPr>
+          <p:cNvPr id="14" name="Picture 2" descr="http://www.dialcon.ru/components/com_virtuemart/shop_image/product/PL143____________55aca4e390408.gif"/>
+          <p:cNvPicPr>
+            <a:picLocks noChangeAspect="1" noChangeArrowheads="1"/>
+          </p:cNvPicPr>
+          <p:nvPr/>
+        </p:nvPicPr>
+        <p:blipFill rotWithShape="1">
+          <a:blip r:embed="rId2">
+            <a:extLst>
+              <a:ext uri="{28A0092B-C50C-407E-A947-70E740481C1C}">
+                <a14:useLocalDpi xmlns:a14="http://schemas.microsoft.com/office/drawing/2010/main" val="0"/>
+              </a:ext>
+            </a:extLst>
+          </a:blip>
+          <a:srcRect l="17676" t="56729" r="57838" b="32597"/>
+          <a:stretch/>
+        </p:blipFill>
+        <p:spPr bwMode="auto">
+          <a:xfrm>
+            <a:off x="1410344" y="3188508"/>
+            <a:ext cx="5517396" cy="7471736"/>
+          </a:xfrm>
+          <a:prstGeom prst="rect">
+            <a:avLst/>
+          </a:prstGeom>
+          <a:noFill/>
+          <a:extLst>
+            <a:ext uri="{909E8E84-426E-40DD-AFC4-6F175D3DCCD1}">
+              <a14:hiddenFill xmlns:a14="http://schemas.microsoft.com/office/drawing/2010/main">
+                <a:solidFill>
+                  <a:srgbClr val="FFFFFF"/>
+                </a:solidFill>
+              </a14:hiddenFill>
+            </a:ext>
+          </a:extLst>
+        </p:spPr>
+      </p:pic>
+      <p:sp>
+        <p:nvSpPr>
+          <p:cNvPr id="4" name="TextBox 3"/>
+          <p:cNvSpPr txBox="1"/>
+          <p:nvPr/>
+        </p:nvSpPr>
+        <p:spPr>
+          <a:xfrm flipH="1">
+            <a:off x="944621" y="1131376"/>
+            <a:ext cx="5006728" cy="1200329"/>
+          </a:xfrm>
+          <a:prstGeom prst="rect">
+            <a:avLst/>
+          </a:prstGeom>
+          <a:noFill/>
+        </p:spPr>
+        <p:txBody>
+          <a:bodyPr wrap="square" rtlCol="0">
+            <a:spAutoFit/>
+          </a:bodyPr>
+          <a:lstStyle/>
+          <a:p>
+            <a:r>
+              <a:rPr lang="ru-RU" dirty="0"/>
+              <a:t>Пробно гравируется только памятный знак (медаль) на малой зеленой </a:t>
+            </a:r>
+            <a:r>
+              <a:rPr lang="ru-RU" dirty="0" err="1"/>
+              <a:t>планкетке</a:t>
+            </a:r>
+            <a:r>
+              <a:rPr lang="ru-RU" dirty="0"/>
+              <a:t>.</a:t>
+            </a:r>
+          </a:p>
+          <a:p>
+            <a:endParaRPr lang="ru-RU" dirty="0"/>
+          </a:p>
+          <a:p>
+            <a:endParaRPr lang="ru-RU" dirty="0"/>
+          </a:p>
+        </p:txBody>
+      </p:sp>
+      <p:pic>
+        <p:nvPicPr>
+          <p:cNvPr id="5" name="Рисунок 4" descr="medal"/>
+          <p:cNvPicPr>
+            <a:picLocks noGrp="1" noChangeAspect="1"/>
+          </p:cNvPicPr>
+          <p:nvPr isPhoto="1"/>
+        </p:nvPicPr>
+        <p:blipFill>
+          <a:blip r:embed="rId3">
+            <a:lum/>
+            <a:extLst>
+              <a:ext uri="{28A0092B-C50C-407E-A947-70E740481C1C}">
+                <a14:useLocalDpi xmlns:a14="http://schemas.microsoft.com/office/drawing/2010/main" val="0"/>
+              </a:ext>
+            </a:extLst>
+          </a:blip>
+          <a:stretch>
+            <a:fillRect/>
+          </a:stretch>
+        </p:blipFill>
+        <p:spPr>
+          <a:xfrm>
+            <a:off x="3254540" y="3532729"/>
+            <a:ext cx="1712407" cy="1712407"/>
+          </a:xfrm>
+          <a:prstGeom prst="rect">
+            <a:avLst/>
+          </a:prstGeom>
+        </p:spPr>
+      </p:pic>
+      <p:sp>
+        <p:nvSpPr>
+          <p:cNvPr id="22" name="TextBox 21"/>
+          <p:cNvSpPr txBox="1"/>
+          <p:nvPr/>
+        </p:nvSpPr>
+        <p:spPr>
+          <a:xfrm>
+            <a:off x="2369303" y="8727789"/>
+            <a:ext cx="4099200" cy="1323439"/>
+          </a:xfrm>
+          <a:prstGeom prst="rect">
+            <a:avLst/>
+          </a:prstGeom>
+          <a:noFill/>
+        </p:spPr>
+        <p:txBody>
+          <a:bodyPr wrap="none" rtlCol="0">
+            <a:spAutoFit/>
+          </a:bodyPr>
+          <a:lstStyle/>
+          <a:p>
+            <a:pPr algn="ctr"/>
+            <a:r>
+              <a:rPr lang="ru-RU" sz="4000" b="1" i="1" dirty="0">
+                <a:solidFill>
+                  <a:schemeClr val="accent4">
+                    <a:lumMod val="40000"/>
+                    <a:lumOff val="60000"/>
+                  </a:schemeClr>
+                </a:solidFill>
+              </a:rPr>
+              <a:t>Иванову </a:t>
+            </a:r>
+          </a:p>
+          <a:p>
+            <a:pPr algn="ctr"/>
+            <a:r>
+              <a:rPr lang="ru-RU" sz="4000" b="1" i="1" dirty="0">
+                <a:solidFill>
+                  <a:schemeClr val="accent4">
+                    <a:lumMod val="40000"/>
+                    <a:lumOff val="60000"/>
+                  </a:schemeClr>
+                </a:solidFill>
+              </a:rPr>
+              <a:t>Ивану Ивановичу</a:t>
+            </a:r>
+          </a:p>
+        </p:txBody>
+      </p:sp>
+      <p:sp>
+        <p:nvSpPr>
+          <p:cNvPr id="23" name="TextBox 22"/>
+          <p:cNvSpPr txBox="1"/>
+          <p:nvPr/>
+        </p:nvSpPr>
+        <p:spPr>
+          <a:xfrm>
+            <a:off x="2207441" y="7619532"/>
+            <a:ext cx="4007186" cy="707886"/>
+          </a:xfrm>
+          <a:prstGeom prst="rect">
+            <a:avLst/>
+          </a:prstGeom>
+          <a:noFill/>
+        </p:spPr>
+        <p:txBody>
+          <a:bodyPr wrap="none" rtlCol="0">
+            <a:spAutoFit/>
+          </a:bodyPr>
+          <a:lstStyle/>
+          <a:p>
+            <a:pPr algn="ctr"/>
+            <a:r>
+              <a:rPr lang="ru-RU" sz="4000" b="1" dirty="0">
+                <a:solidFill>
+                  <a:schemeClr val="accent4">
+                    <a:lumMod val="40000"/>
+                    <a:lumOff val="60000"/>
+                  </a:schemeClr>
+                </a:solidFill>
+              </a:rPr>
+              <a:t>«Директор года»</a:t>
+            </a:r>
+          </a:p>
+        </p:txBody>
+      </p:sp>
+      <p:sp>
+        <p:nvSpPr>
+          <p:cNvPr id="8" name="TextBox 7"/>
+          <p:cNvSpPr txBox="1"/>
+          <p:nvPr/>
+        </p:nvSpPr>
+        <p:spPr>
+          <a:xfrm>
+            <a:off x="2369303" y="5547273"/>
+            <a:ext cx="3746923" cy="584775"/>
+          </a:xfrm>
+          <a:prstGeom prst="rect">
+            <a:avLst/>
+          </a:prstGeom>
+          <a:noFill/>
+        </p:spPr>
+        <p:txBody>
+          <a:bodyPr wrap="none" rtlCol="0">
+            <a:spAutoFit/>
+          </a:bodyPr>
+          <a:lstStyle/>
+          <a:p>
+            <a:r>
+              <a:rPr lang="ru-RU" sz="3200" b="1" dirty="0">
+                <a:solidFill>
+                  <a:schemeClr val="accent4">
+                    <a:lumMod val="40000"/>
+                    <a:lumOff val="60000"/>
+                  </a:schemeClr>
+                </a:solidFill>
+              </a:rPr>
+              <a:t>ДИПЛОМ ЛАУРЕАТА</a:t>
+            </a:r>
+          </a:p>
+        </p:txBody>
+      </p:sp>
+      <p:sp>
+        <p:nvSpPr>
+          <p:cNvPr id="9" name="TextBox 8"/>
+          <p:cNvSpPr txBox="1"/>
+          <p:nvPr/>
+        </p:nvSpPr>
+        <p:spPr>
+          <a:xfrm>
+            <a:off x="1526059" y="6371852"/>
+            <a:ext cx="5433410" cy="1200329"/>
+          </a:xfrm>
+          <a:prstGeom prst="rect">
+            <a:avLst/>
+          </a:prstGeom>
+          <a:noFill/>
+        </p:spPr>
+        <p:txBody>
+          <a:bodyPr wrap="none" rtlCol="0">
+            <a:spAutoFit/>
+          </a:bodyPr>
+          <a:lstStyle/>
+          <a:p>
+            <a:pPr algn="ctr"/>
+            <a:r>
+              <a:rPr lang="ru-RU" sz="2400" b="1" dirty="0">
+                <a:solidFill>
+                  <a:schemeClr val="accent4">
+                    <a:lumMod val="40000"/>
+                    <a:lumOff val="60000"/>
+                  </a:schemeClr>
+                </a:solidFill>
+              </a:rPr>
+              <a:t>НАЦИОНАЛЬНОЙ ПРЕМИИ</a:t>
+            </a:r>
+          </a:p>
+          <a:p>
+            <a:pPr algn="ctr"/>
+            <a:r>
+              <a:rPr lang="ru-RU" sz="2400" b="1" dirty="0">
+                <a:solidFill>
+                  <a:schemeClr val="accent4">
+                    <a:lumMod val="40000"/>
+                    <a:lumOff val="60000"/>
+                  </a:schemeClr>
+                </a:solidFill>
+              </a:rPr>
+              <a:t>ПО УПРАВЛЕНИЮ</a:t>
+            </a:r>
+          </a:p>
+          <a:p>
+            <a:pPr algn="ctr"/>
+            <a:r>
+              <a:rPr lang="ru-RU" sz="2400" b="1" dirty="0">
+                <a:solidFill>
+                  <a:schemeClr val="accent4">
+                    <a:lumMod val="40000"/>
+                    <a:lumOff val="60000"/>
+                  </a:schemeClr>
+                </a:solidFill>
+              </a:rPr>
+              <a:t>ГОСУДАРСТВЕННОЙ СОБСТВЕННОСТЬЮ</a:t>
+            </a:r>
+          </a:p>
+        </p:txBody>
+      </p:sp>
+      <p:cxnSp>
+        <p:nvCxnSpPr>
+          <p:cNvPr id="3" name="Прямая соединительная линия 2"/>
+          <p:cNvCxnSpPr/>
+          <p:nvPr/>
+        </p:nvCxnSpPr>
+        <p:spPr>
+          <a:xfrm>
+            <a:off x="5934309" y="148032"/>
+            <a:ext cx="83986" cy="12044436"/>
+          </a:xfrm>
+          <a:prstGeom prst="line">
+            <a:avLst/>
+          </a:prstGeom>
+          <a:ln>
+            <a:solidFill>
+              <a:schemeClr val="bg1"/>
+            </a:solidFill>
+          </a:ln>
+        </p:spPr>
+        <p:style>
+          <a:lnRef idx="1">
+            <a:schemeClr val="accent1"/>
+          </a:lnRef>
+          <a:fillRef idx="0">
+            <a:schemeClr val="accent1"/>
+          </a:fillRef>
+          <a:effectRef idx="0">
+            <a:schemeClr val="accent1"/>
+          </a:effectRef>
+          <a:fontRef idx="minor">
+            <a:schemeClr val="tx1"/>
+          </a:fontRef>
+        </p:style>
+      </p:cxnSp>
+      <p:cxnSp>
+        <p:nvCxnSpPr>
+          <p:cNvPr id="13" name="Прямая соединительная линия 12"/>
+          <p:cNvCxnSpPr/>
+          <p:nvPr/>
+        </p:nvCxnSpPr>
+        <p:spPr>
+          <a:xfrm>
+            <a:off x="2369303" y="148032"/>
+            <a:ext cx="83986" cy="12044436"/>
+          </a:xfrm>
+          <a:prstGeom prst="line">
+            <a:avLst/>
+          </a:prstGeom>
+          <a:ln>
+            <a:solidFill>
+              <a:schemeClr val="bg1"/>
+            </a:solidFill>
+          </a:ln>
+        </p:spPr>
+        <p:style>
+          <a:lnRef idx="1">
+            <a:schemeClr val="accent1"/>
+          </a:lnRef>
+          <a:fillRef idx="0">
+            <a:schemeClr val="accent1"/>
+          </a:fillRef>
+          <a:effectRef idx="0">
+            <a:schemeClr val="accent1"/>
+          </a:effectRef>
+          <a:fontRef idx="minor">
+            <a:schemeClr val="tx1"/>
+          </a:fontRef>
+        </p:style>
+      </p:cxnSp>
+      <p:cxnSp>
+        <p:nvCxnSpPr>
+          <p:cNvPr id="15" name="Прямая соединительная линия 14"/>
+          <p:cNvCxnSpPr/>
+          <p:nvPr/>
+        </p:nvCxnSpPr>
+        <p:spPr>
+          <a:xfrm>
+            <a:off x="5358166" y="351503"/>
+            <a:ext cx="83986" cy="12044436"/>
+          </a:xfrm>
+          <a:prstGeom prst="line">
+            <a:avLst/>
+          </a:prstGeom>
+          <a:ln>
+            <a:solidFill>
+              <a:schemeClr val="bg1"/>
+            </a:solidFill>
+          </a:ln>
+        </p:spPr>
+        <p:style>
+          <a:lnRef idx="1">
+            <a:schemeClr val="accent1"/>
+          </a:lnRef>
+          <a:fillRef idx="0">
+            <a:schemeClr val="accent1"/>
+          </a:fillRef>
+          <a:effectRef idx="0">
+            <a:schemeClr val="accent1"/>
+          </a:effectRef>
+          <a:fontRef idx="minor">
+            <a:schemeClr val="tx1"/>
+          </a:fontRef>
+        </p:style>
+      </p:cxnSp>
+      <p:cxnSp>
+        <p:nvCxnSpPr>
+          <p:cNvPr id="16" name="Прямая соединительная линия 15"/>
+          <p:cNvCxnSpPr/>
+          <p:nvPr/>
+        </p:nvCxnSpPr>
+        <p:spPr>
+          <a:xfrm>
+            <a:off x="2950841" y="902158"/>
+            <a:ext cx="83986" cy="12044436"/>
+          </a:xfrm>
+          <a:prstGeom prst="line">
+            <a:avLst/>
+          </a:prstGeom>
+          <a:ln>
+            <a:solidFill>
+              <a:schemeClr val="bg1"/>
+            </a:solidFill>
+          </a:ln>
+        </p:spPr>
+        <p:style>
+          <a:lnRef idx="1">
+            <a:schemeClr val="accent1"/>
+          </a:lnRef>
+          <a:fillRef idx="0">
+            <a:schemeClr val="accent1"/>
+          </a:fillRef>
+          <a:effectRef idx="0">
+            <a:schemeClr val="accent1"/>
+          </a:effectRef>
+          <a:fontRef idx="minor">
+            <a:schemeClr val="tx1"/>
+          </a:fontRef>
+        </p:style>
+      </p:cxnSp>
+    </p:spTree>
+    <p:extLst>
+      <p:ext uri="{BB962C8B-B14F-4D97-AF65-F5344CB8AC3E}">
+        <p14:creationId xmlns:p14="http://schemas.microsoft.com/office/powerpoint/2010/main" val="3797634934"/>
+      </p:ext>
+    </p:extLst>
+  </p:cSld>
+  <p:clrMapOvr>
+    <a:masterClrMapping/>
+  </p:clrMapOvr>
+</p:sld>
+</file>
+
+<file path=ppt/slides/slide6.xml><?xml version="1.0" encoding="utf-8"?>
 <p:sld xmlns:a="http://schemas.openxmlformats.org/drawingml/2006/main" xmlns:r="http://schemas.openxmlformats.org/officeDocument/2006/relationships" xmlns:p="http://schemas.openxmlformats.org/presentationml/2006/main">
   <p:cSld>
     <p:spTree>
@@ -4064,7 +6090,7 @@
 </p:sld>
 </file>
 
-<file path=ppt/slides/slide4.xml><?xml version="1.0" encoding="utf-8"?>
+<file path=ppt/slides/slide7.xml><?xml version="1.0" encoding="utf-8"?>
 <p:sld xmlns:a="http://schemas.openxmlformats.org/drawingml/2006/main" xmlns:r="http://schemas.openxmlformats.org/officeDocument/2006/relationships" xmlns:p="http://schemas.openxmlformats.org/presentationml/2006/main">
   <p:cSld>
     <p:spTree>
@@ -4228,7 +6254,7 @@
 </p:sld>
 </file>
 
-<file path=ppt/slides/slide5.xml><?xml version="1.0" encoding="utf-8"?>
+<file path=ppt/slides/slide8.xml><?xml version="1.0" encoding="utf-8"?>
 <p:sld xmlns:a="http://schemas.openxmlformats.org/drawingml/2006/main" xmlns:r="http://schemas.openxmlformats.org/officeDocument/2006/relationships" xmlns:p="http://schemas.openxmlformats.org/presentationml/2006/main">
   <p:cSld>
     <p:spTree>
@@ -4644,7 +6670,7 @@
 </p:sld>
 </file>
 
-<file path=ppt/slides/slide6.xml><?xml version="1.0" encoding="utf-8"?>
+<file path=ppt/slides/slide9.xml><?xml version="1.0" encoding="utf-8"?>
 <p:sld xmlns:a="http://schemas.openxmlformats.org/drawingml/2006/main" xmlns:r="http://schemas.openxmlformats.org/officeDocument/2006/relationships" xmlns:p="http://schemas.openxmlformats.org/presentationml/2006/main">
   <p:cSld>
     <p:spTree>
